--- a/docs/Презентация для защиты курсовой работы.pptx
+++ b/docs/Презентация для защиты курсовой работы.pptx
@@ -6,30 +6,28 @@
     <p:sldMasterId id="2147483674" r:id="rId2"/>
   </p:sldMasterIdLst>
   <p:notesMasterIdLst>
-    <p:notesMasterId r:id="rId24"/>
+    <p:notesMasterId r:id="rId22"/>
   </p:notesMasterIdLst>
   <p:sldIdLst>
     <p:sldId id="265" r:id="rId3"/>
     <p:sldId id="274" r:id="rId4"/>
-    <p:sldId id="291" r:id="rId5"/>
-    <p:sldId id="292" r:id="rId6"/>
-    <p:sldId id="266" r:id="rId7"/>
-    <p:sldId id="275" r:id="rId8"/>
-    <p:sldId id="287" r:id="rId9"/>
-    <p:sldId id="267" r:id="rId10"/>
-    <p:sldId id="268" r:id="rId11"/>
-    <p:sldId id="286" r:id="rId12"/>
-    <p:sldId id="288" r:id="rId13"/>
-    <p:sldId id="289" r:id="rId14"/>
-    <p:sldId id="278" r:id="rId15"/>
-    <p:sldId id="269" r:id="rId16"/>
-    <p:sldId id="284" r:id="rId17"/>
-    <p:sldId id="285" r:id="rId18"/>
-    <p:sldId id="281" r:id="rId19"/>
-    <p:sldId id="270" r:id="rId20"/>
-    <p:sldId id="271" r:id="rId21"/>
-    <p:sldId id="263" r:id="rId22"/>
-    <p:sldId id="290" r:id="rId23"/>
+    <p:sldId id="266" r:id="rId5"/>
+    <p:sldId id="275" r:id="rId6"/>
+    <p:sldId id="287" r:id="rId7"/>
+    <p:sldId id="267" r:id="rId8"/>
+    <p:sldId id="268" r:id="rId9"/>
+    <p:sldId id="286" r:id="rId10"/>
+    <p:sldId id="288" r:id="rId11"/>
+    <p:sldId id="289" r:id="rId12"/>
+    <p:sldId id="278" r:id="rId13"/>
+    <p:sldId id="269" r:id="rId14"/>
+    <p:sldId id="284" r:id="rId15"/>
+    <p:sldId id="285" r:id="rId16"/>
+    <p:sldId id="281" r:id="rId17"/>
+    <p:sldId id="270" r:id="rId18"/>
+    <p:sldId id="271" r:id="rId19"/>
+    <p:sldId id="263" r:id="rId20"/>
+    <p:sldId id="292" r:id="rId21"/>
   </p:sldIdLst>
   <p:sldSz cx="12192000" cy="6858000"/>
   <p:notesSz cx="6858000" cy="9144000"/>
@@ -138,10 +136,7 @@
           </p14:sldIdLst>
         </p14:section>
         <p14:section name="Раздел оглавления" id="{CE0FB56E-69EE-41C5-AC50-6216337FEDA9}">
-          <p14:sldIdLst>
-            <p14:sldId id="291"/>
-            <p14:sldId id="292"/>
-          </p14:sldIdLst>
+          <p14:sldIdLst/>
         </p14:section>
         <p14:section name="Актуальность" id="{6FE67B54-15DA-4241-B7FD-7F2B82C1243E}">
           <p14:sldIdLst>
@@ -205,7 +200,7 @@
           <p14:sldIdLst>
             <p14:sldId id="271"/>
             <p14:sldId id="263"/>
-            <p14:sldId id="290"/>
+            <p14:sldId id="292"/>
           </p14:sldIdLst>
         </p14:section>
       </p14:sectionLst>
@@ -3069,7 +3064,7 @@
           </a:ln>
           <a:extLst>
             <a:ext uri="{C572A759-6A51-4108-AA02-DFA0A04FC94B}">
-              <ma14:wrappingTextBoxFlag xmlns:ma14="http://schemas.microsoft.com/office/mac/drawingml/2011/main" xmlns:a14="http://schemas.microsoft.com/office/drawing/2010/main" xmlns:m="http://schemas.openxmlformats.org/officeDocument/2006/math" xmlns="" val="1"/>
+              <ma14:wrappingTextBoxFlag xmlns="" xmlns:m="http://schemas.openxmlformats.org/officeDocument/2006/math" xmlns:a14="http://schemas.microsoft.com/office/drawing/2010/main" xmlns:ma14="http://schemas.microsoft.com/office/mac/drawingml/2011/main" val="1"/>
             </a:ext>
           </a:extLst>
         </p:spPr>
@@ -3108,7 +3103,7 @@
           </a:ln>
           <a:extLst>
             <a:ext uri="{C572A759-6A51-4108-AA02-DFA0A04FC94B}">
-              <ma14:wrappingTextBoxFlag xmlns:ma14="http://schemas.microsoft.com/office/mac/drawingml/2011/main" xmlns:a14="http://schemas.microsoft.com/office/drawing/2010/main" xmlns:m="http://schemas.openxmlformats.org/officeDocument/2006/math" xmlns="" val="1"/>
+              <ma14:wrappingTextBoxFlag xmlns="" xmlns:m="http://schemas.openxmlformats.org/officeDocument/2006/math" xmlns:a14="http://schemas.microsoft.com/office/drawing/2010/main" xmlns:ma14="http://schemas.microsoft.com/office/mac/drawingml/2011/main" val="1"/>
             </a:ext>
           </a:extLst>
         </p:spPr>
@@ -4643,7 +4638,7 @@
           </a:ln>
           <a:extLst>
             <a:ext uri="{C572A759-6A51-4108-AA02-DFA0A04FC94B}">
-              <ma14:wrappingTextBoxFlag xmlns="" xmlns:m="http://schemas.openxmlformats.org/officeDocument/2006/math" xmlns:a14="http://schemas.microsoft.com/office/drawing/2010/main" xmlns:ma14="http://schemas.microsoft.com/office/mac/drawingml/2011/main" val="1"/>
+              <ma14:wrappingTextBoxFlag xmlns:ma14="http://schemas.microsoft.com/office/mac/drawingml/2011/main" xmlns:a14="http://schemas.microsoft.com/office/drawing/2010/main" xmlns:m="http://schemas.openxmlformats.org/officeDocument/2006/math" xmlns="" val="1"/>
             </a:ext>
           </a:extLst>
         </p:spPr>
@@ -4703,7 +4698,7 @@
           </a:ln>
           <a:extLst>
             <a:ext uri="{C572A759-6A51-4108-AA02-DFA0A04FC94B}">
-              <ma14:wrappingTextBoxFlag xmlns="" xmlns:m="http://schemas.openxmlformats.org/officeDocument/2006/math" xmlns:a14="http://schemas.microsoft.com/office/drawing/2010/main" xmlns:ma14="http://schemas.microsoft.com/office/mac/drawingml/2011/main" val="1"/>
+              <ma14:wrappingTextBoxFlag xmlns:ma14="http://schemas.microsoft.com/office/mac/drawingml/2011/main" xmlns:a14="http://schemas.microsoft.com/office/drawing/2010/main" xmlns:m="http://schemas.openxmlformats.org/officeDocument/2006/math" xmlns="" val="1"/>
             </a:ext>
           </a:extLst>
         </p:spPr>
@@ -4781,7 +4776,7 @@
           </a:ln>
           <a:extLst>
             <a:ext uri="{C572A759-6A51-4108-AA02-DFA0A04FC94B}">
-              <ma14:wrappingTextBoxFlag xmlns="" xmlns:m="http://schemas.openxmlformats.org/officeDocument/2006/math" xmlns:a14="http://schemas.microsoft.com/office/drawing/2010/main" xmlns:ma14="http://schemas.microsoft.com/office/mac/drawingml/2011/main" val="1"/>
+              <ma14:wrappingTextBoxFlag xmlns:ma14="http://schemas.microsoft.com/office/mac/drawingml/2011/main" xmlns:a14="http://schemas.microsoft.com/office/drawing/2010/main" xmlns:m="http://schemas.openxmlformats.org/officeDocument/2006/math" xmlns="" val="1"/>
             </a:ext>
           </a:extLst>
         </p:spPr>
@@ -4841,7 +4836,7 @@
           </a:ln>
           <a:extLst>
             <a:ext uri="{C572A759-6A51-4108-AA02-DFA0A04FC94B}">
-              <ma14:wrappingTextBoxFlag xmlns="" xmlns:m="http://schemas.openxmlformats.org/officeDocument/2006/math" xmlns:a14="http://schemas.microsoft.com/office/drawing/2010/main" xmlns:ma14="http://schemas.microsoft.com/office/mac/drawingml/2011/main" val="1"/>
+              <ma14:wrappingTextBoxFlag xmlns:ma14="http://schemas.microsoft.com/office/mac/drawingml/2011/main" xmlns:a14="http://schemas.microsoft.com/office/drawing/2010/main" xmlns:m="http://schemas.openxmlformats.org/officeDocument/2006/math" xmlns="" val="1"/>
             </a:ext>
           </a:extLst>
         </p:spPr>
@@ -4925,499 +4920,6 @@
 </file>
 
 <file path=ppt/slides/slide10.xml><?xml version="1.0" encoding="utf-8"?>
-<p:sld xmlns:a="http://schemas.openxmlformats.org/drawingml/2006/main" xmlns:r="http://schemas.openxmlformats.org/officeDocument/2006/relationships" xmlns:p="http://schemas.openxmlformats.org/presentationml/2006/main">
-  <p:cSld>
-    <p:spTree>
-      <p:nvGrpSpPr>
-        <p:cNvPr id="1" name=""/>
-        <p:cNvGrpSpPr/>
-        <p:nvPr/>
-      </p:nvGrpSpPr>
-      <p:grpSpPr>
-        <a:xfrm>
-          <a:off x="0" y="0"/>
-          <a:ext cx="0" cy="0"/>
-          <a:chOff x="0" y="0"/>
-          <a:chExt cx="0" cy="0"/>
-        </a:xfrm>
-      </p:grpSpPr>
-      <p:sp>
-        <p:nvSpPr>
-          <p:cNvPr id="2" name="Заголовок 1">
-            <a:extLst>
-              <a:ext uri="{FF2B5EF4-FFF2-40B4-BE49-F238E27FC236}">
-                <a16:creationId xmlns:a16="http://schemas.microsoft.com/office/drawing/2014/main" id="{94071B53-EEAF-4426-BEE1-221D903E5CFA}"/>
-              </a:ext>
-            </a:extLst>
-          </p:cNvPr>
-          <p:cNvSpPr>
-            <a:spLocks noGrp="1"/>
-          </p:cNvSpPr>
-          <p:nvPr>
-            <p:ph type="title"/>
-          </p:nvPr>
-        </p:nvSpPr>
-        <p:spPr/>
-        <p:txBody>
-          <a:bodyPr/>
-          <a:lstStyle/>
-          <a:p>
-            <a:r>
-              <a:rPr lang="ru-RU" dirty="0">
-                <a:solidFill>
-                  <a:srgbClr val="214263"/>
-                </a:solidFill>
-                <a:latin typeface="Arial"/>
-                <a:cs typeface="Calibri Light"/>
-              </a:rPr>
-              <a:t>Задачи</a:t>
-            </a:r>
-            <a:endParaRPr lang="ru-RU">
-              <a:solidFill>
-                <a:srgbClr val="214263"/>
-              </a:solidFill>
-              <a:latin typeface="Arial"/>
-              <a:cs typeface="Arial"/>
-            </a:endParaRPr>
-          </a:p>
-        </p:txBody>
-      </p:sp>
-      <p:sp>
-        <p:nvSpPr>
-          <p:cNvPr id="3" name="Объект 2">
-            <a:extLst>
-              <a:ext uri="{FF2B5EF4-FFF2-40B4-BE49-F238E27FC236}">
-                <a16:creationId xmlns:a16="http://schemas.microsoft.com/office/drawing/2014/main" id="{95A6734E-A1F4-48F1-B1BC-EB8568844586}"/>
-              </a:ext>
-            </a:extLst>
-          </p:cNvPr>
-          <p:cNvSpPr>
-            <a:spLocks noGrp="1"/>
-          </p:cNvSpPr>
-          <p:nvPr>
-            <p:ph idx="1"/>
-          </p:nvPr>
-        </p:nvSpPr>
-        <p:spPr/>
-        <p:txBody>
-          <a:bodyPr vert="horz" lIns="91440" tIns="45720" rIns="91440" bIns="45720" rtlCol="0" anchor="t">
-            <a:normAutofit/>
-          </a:bodyPr>
-          <a:lstStyle/>
-          <a:p>
-            <a:r>
-              <a:rPr lang="ru-RU">
-                <a:solidFill>
-                  <a:srgbClr val="214263"/>
-                </a:solidFill>
-                <a:cs typeface="Calibri"/>
-              </a:rPr>
-              <a:t>Сбор данных</a:t>
-            </a:r>
-          </a:p>
-          <a:p>
-            <a:r>
-              <a:rPr lang="ru-RU">
-                <a:solidFill>
-                  <a:srgbClr val="214263"/>
-                </a:solidFill>
-                <a:cs typeface="Calibri"/>
-              </a:rPr>
-              <a:t>Разработать информационную систему</a:t>
-            </a:r>
-            <a:endParaRPr lang="ru-RU" dirty="0">
-              <a:solidFill>
-                <a:srgbClr val="214263"/>
-              </a:solidFill>
-              <a:cs typeface="Calibri"/>
-            </a:endParaRPr>
-          </a:p>
-        </p:txBody>
-      </p:sp>
-      <p:sp>
-        <p:nvSpPr>
-          <p:cNvPr id="4" name="Дата 3">
-            <a:extLst>
-              <a:ext uri="{FF2B5EF4-FFF2-40B4-BE49-F238E27FC236}">
-                <a16:creationId xmlns:a16="http://schemas.microsoft.com/office/drawing/2014/main" id="{A622ABE9-E273-4D0B-B83B-644E895C5625}"/>
-              </a:ext>
-            </a:extLst>
-          </p:cNvPr>
-          <p:cNvSpPr>
-            <a:spLocks noGrp="1"/>
-          </p:cNvSpPr>
-          <p:nvPr>
-            <p:ph type="dt" sz="half" idx="10"/>
-          </p:nvPr>
-        </p:nvSpPr>
-        <p:spPr/>
-        <p:txBody>
-          <a:bodyPr/>
-          <a:lstStyle/>
-          <a:p>
-            <a:fld id="{9F1F1908-91D1-41BC-B61A-BEDA2FC649DE}" type="datetime1">
-              <a:rPr lang="ru-RU" smtClean="0"/>
-              <a:t>31.03.2021</a:t>
-            </a:fld>
-            <a:endParaRPr lang="ru-RU"/>
-          </a:p>
-        </p:txBody>
-      </p:sp>
-      <p:sp>
-        <p:nvSpPr>
-          <p:cNvPr id="5" name="Нижний колонтитул 4">
-            <a:extLst>
-              <a:ext uri="{FF2B5EF4-FFF2-40B4-BE49-F238E27FC236}">
-                <a16:creationId xmlns:a16="http://schemas.microsoft.com/office/drawing/2014/main" id="{C043A2EC-7879-47F2-83E9-BD9E2B23C8E8}"/>
-              </a:ext>
-            </a:extLst>
-          </p:cNvPr>
-          <p:cNvSpPr>
-            <a:spLocks noGrp="1"/>
-          </p:cNvSpPr>
-          <p:nvPr>
-            <p:ph type="ftr" sz="quarter" idx="11"/>
-          </p:nvPr>
-        </p:nvSpPr>
-        <p:spPr/>
-        <p:txBody>
-          <a:bodyPr/>
-          <a:lstStyle/>
-          <a:p>
-            <a:r>
-              <a:rPr lang="ru-RU" dirty="0"/>
-              <a:t>Соломатин Р. И., «Поиск исполнителей по техническому заданию», Защита курсовой работы</a:t>
-            </a:r>
-          </a:p>
-        </p:txBody>
-      </p:sp>
-      <p:sp>
-        <p:nvSpPr>
-          <p:cNvPr id="6" name="Номер слайда 5">
-            <a:extLst>
-              <a:ext uri="{FF2B5EF4-FFF2-40B4-BE49-F238E27FC236}">
-                <a16:creationId xmlns:a16="http://schemas.microsoft.com/office/drawing/2014/main" id="{D463A418-8F7F-4621-B03E-EA6A2EA3E1D1}"/>
-              </a:ext>
-            </a:extLst>
-          </p:cNvPr>
-          <p:cNvSpPr>
-            <a:spLocks noGrp="1"/>
-          </p:cNvSpPr>
-          <p:nvPr>
-            <p:ph type="sldNum" sz="quarter" idx="12"/>
-          </p:nvPr>
-        </p:nvSpPr>
-        <p:spPr/>
-        <p:txBody>
-          <a:bodyPr/>
-          <a:lstStyle/>
-          <a:p>
-            <a:fld id="{BC183AC1-6122-41E9-A15F-C0A73CBB2E44}" type="slidenum">
-              <a:rPr lang="ru-RU" smtClean="0"/>
-              <a:t>10</a:t>
-            </a:fld>
-            <a:r>
-              <a:rPr lang="ru-RU" dirty="0"/>
-              <a:t>/19</a:t>
-            </a:r>
-          </a:p>
-        </p:txBody>
-      </p:sp>
-      <p:sp>
-        <p:nvSpPr>
-          <p:cNvPr id="7" name="Управляющая кнопка: &quot;В конец&quot; 6">
-            <a:hlinkClick r:id="" action="ppaction://hlinkshowjump?jump=lastslide" highlightClick="1"/>
-            <a:extLst>
-              <a:ext uri="{FF2B5EF4-FFF2-40B4-BE49-F238E27FC236}">
-                <a16:creationId xmlns:a16="http://schemas.microsoft.com/office/drawing/2014/main" id="{1322389C-176F-4680-8764-BFCFA5881963}"/>
-              </a:ext>
-            </a:extLst>
-          </p:cNvPr>
-          <p:cNvSpPr/>
-          <p:nvPr/>
-        </p:nvSpPr>
-        <p:spPr>
-          <a:xfrm>
-            <a:off x="11476140" y="5731329"/>
-            <a:ext cx="612396" cy="445634"/>
-          </a:xfrm>
-          <a:prstGeom prst="actionButtonEnd">
-            <a:avLst/>
-          </a:prstGeom>
-        </p:spPr>
-        <p:style>
-          <a:lnRef idx="2">
-            <a:schemeClr val="dk1"/>
-          </a:lnRef>
-          <a:fillRef idx="1">
-            <a:schemeClr val="lt1"/>
-          </a:fillRef>
-          <a:effectRef idx="0">
-            <a:schemeClr val="dk1"/>
-          </a:effectRef>
-          <a:fontRef idx="minor">
-            <a:schemeClr val="dk1"/>
-          </a:fontRef>
-        </p:style>
-        <p:txBody>
-          <a:bodyPr rot="0" spcFirstLastPara="0" vertOverflow="overflow" horzOverflow="overflow" vert="horz" wrap="square" lIns="91440" tIns="45720" rIns="91440" bIns="45720" numCol="1" spcCol="0" rtlCol="0" fromWordArt="0" anchor="ctr" anchorCtr="0" forceAA="0" compatLnSpc="1">
-            <a:prstTxWarp prst="textNoShape">
-              <a:avLst/>
-            </a:prstTxWarp>
-            <a:noAutofit/>
-          </a:bodyPr>
-          <a:lstStyle/>
-          <a:p>
-            <a:pPr algn="ctr"/>
-            <a:endParaRPr lang="ru-RU">
-              <a:ln w="0"/>
-              <a:solidFill>
-                <a:schemeClr val="tx1"/>
-              </a:solidFill>
-              <a:effectLst>
-                <a:outerShdw blurRad="38100" dist="19050" dir="2700000" algn="tl" rotWithShape="0">
-                  <a:schemeClr val="dk1">
-                    <a:alpha val="40000"/>
-                  </a:schemeClr>
-                </a:outerShdw>
-              </a:effectLst>
-            </a:endParaRPr>
-          </a:p>
-        </p:txBody>
-      </p:sp>
-    </p:spTree>
-    <p:extLst>
-      <p:ext uri="{BB962C8B-B14F-4D97-AF65-F5344CB8AC3E}">
-        <p14:creationId xmlns:p14="http://schemas.microsoft.com/office/powerpoint/2010/main" val="3774247"/>
-      </p:ext>
-    </p:extLst>
-  </p:cSld>
-  <p:clrMapOvr>
-    <a:masterClrMapping/>
-  </p:clrMapOvr>
-</p:sld>
-</file>
-
-<file path=ppt/slides/slide11.xml><?xml version="1.0" encoding="utf-8"?>
-<p:sld xmlns:a="http://schemas.openxmlformats.org/drawingml/2006/main" xmlns:r="http://schemas.openxmlformats.org/officeDocument/2006/relationships" xmlns:p="http://schemas.openxmlformats.org/presentationml/2006/main">
-  <p:cSld>
-    <p:spTree>
-      <p:nvGrpSpPr>
-        <p:cNvPr id="1" name=""/>
-        <p:cNvGrpSpPr/>
-        <p:nvPr/>
-      </p:nvGrpSpPr>
-      <p:grpSpPr>
-        <a:xfrm>
-          <a:off x="0" y="0"/>
-          <a:ext cx="0" cy="0"/>
-          <a:chOff x="0" y="0"/>
-          <a:chExt cx="0" cy="0"/>
-        </a:xfrm>
-      </p:grpSpPr>
-      <p:sp>
-        <p:nvSpPr>
-          <p:cNvPr id="2" name="Заголовок 1">
-            <a:extLst>
-              <a:ext uri="{FF2B5EF4-FFF2-40B4-BE49-F238E27FC236}">
-                <a16:creationId xmlns:a16="http://schemas.microsoft.com/office/drawing/2014/main" id="{4A3A6E6D-1327-4DDF-A188-04C3A757BF46}"/>
-              </a:ext>
-            </a:extLst>
-          </p:cNvPr>
-          <p:cNvSpPr>
-            <a:spLocks noGrp="1"/>
-          </p:cNvSpPr>
-          <p:nvPr>
-            <p:ph type="title"/>
-          </p:nvPr>
-        </p:nvSpPr>
-        <p:spPr>
-          <a:xfrm>
-            <a:off x="2952964" y="2787395"/>
-            <a:ext cx="6286072" cy="1232201"/>
-          </a:xfrm>
-        </p:spPr>
-        <p:txBody>
-          <a:bodyPr/>
-          <a:lstStyle/>
-          <a:p>
-            <a:r>
-              <a:rPr lang="ru-RU" b="1" dirty="0">
-                <a:solidFill>
-                  <a:srgbClr val="214263"/>
-                </a:solidFill>
-                <a:cs typeface="Calibri Light"/>
-              </a:rPr>
-              <a:t>Проектирование</a:t>
-            </a:r>
-          </a:p>
-        </p:txBody>
-      </p:sp>
-      <p:sp>
-        <p:nvSpPr>
-          <p:cNvPr id="4" name="Дата 3">
-            <a:extLst>
-              <a:ext uri="{FF2B5EF4-FFF2-40B4-BE49-F238E27FC236}">
-                <a16:creationId xmlns:a16="http://schemas.microsoft.com/office/drawing/2014/main" id="{F6118E9B-BA30-41B7-829B-CA16AC5225E6}"/>
-              </a:ext>
-            </a:extLst>
-          </p:cNvPr>
-          <p:cNvSpPr>
-            <a:spLocks noGrp="1"/>
-          </p:cNvSpPr>
-          <p:nvPr>
-            <p:ph type="dt" sz="half" idx="10"/>
-          </p:nvPr>
-        </p:nvSpPr>
-        <p:spPr/>
-        <p:txBody>
-          <a:bodyPr/>
-          <a:lstStyle/>
-          <a:p>
-            <a:fld id="{9F1F1908-91D1-41BC-B61A-BEDA2FC649DE}" type="datetime1">
-              <a:rPr lang="ru-RU" smtClean="0"/>
-              <a:t>31.03.2021</a:t>
-            </a:fld>
-            <a:endParaRPr lang="ru-RU"/>
-          </a:p>
-        </p:txBody>
-      </p:sp>
-      <p:sp>
-        <p:nvSpPr>
-          <p:cNvPr id="5" name="Нижний колонтитул 4">
-            <a:extLst>
-              <a:ext uri="{FF2B5EF4-FFF2-40B4-BE49-F238E27FC236}">
-                <a16:creationId xmlns:a16="http://schemas.microsoft.com/office/drawing/2014/main" id="{A131A44A-2473-48EB-8F94-9C926DA42C0E}"/>
-              </a:ext>
-            </a:extLst>
-          </p:cNvPr>
-          <p:cNvSpPr>
-            <a:spLocks noGrp="1"/>
-          </p:cNvSpPr>
-          <p:nvPr>
-            <p:ph type="ftr" sz="quarter" idx="11"/>
-          </p:nvPr>
-        </p:nvSpPr>
-        <p:spPr/>
-        <p:txBody>
-          <a:bodyPr/>
-          <a:lstStyle/>
-          <a:p>
-            <a:r>
-              <a:rPr lang="ru-RU" dirty="0"/>
-              <a:t>Соломатин Р. И., «Поиск исполнителей по техническому заданию», Защита курсовой работы</a:t>
-            </a:r>
-          </a:p>
-        </p:txBody>
-      </p:sp>
-      <p:sp>
-        <p:nvSpPr>
-          <p:cNvPr id="6" name="Номер слайда 5">
-            <a:extLst>
-              <a:ext uri="{FF2B5EF4-FFF2-40B4-BE49-F238E27FC236}">
-                <a16:creationId xmlns:a16="http://schemas.microsoft.com/office/drawing/2014/main" id="{00B163C6-5D28-4F70-B3F5-0337160847F4}"/>
-              </a:ext>
-            </a:extLst>
-          </p:cNvPr>
-          <p:cNvSpPr>
-            <a:spLocks noGrp="1"/>
-          </p:cNvSpPr>
-          <p:nvPr>
-            <p:ph type="sldNum" sz="quarter" idx="12"/>
-          </p:nvPr>
-        </p:nvSpPr>
-        <p:spPr/>
-        <p:txBody>
-          <a:bodyPr/>
-          <a:lstStyle/>
-          <a:p>
-            <a:fld id="{BC183AC1-6122-41E9-A15F-C0A73CBB2E44}" type="slidenum">
-              <a:rPr lang="ru-RU" smtClean="0"/>
-              <a:t>11</a:t>
-            </a:fld>
-            <a:r>
-              <a:rPr lang="ru-RU" dirty="0"/>
-              <a:t>/19</a:t>
-            </a:r>
-          </a:p>
-        </p:txBody>
-      </p:sp>
-      <p:sp>
-        <p:nvSpPr>
-          <p:cNvPr id="7" name="Управляющая кнопка: &quot;В конец&quot; 6">
-            <a:hlinkClick r:id="" action="ppaction://hlinkshowjump?jump=lastslide" highlightClick="1"/>
-            <a:extLst>
-              <a:ext uri="{FF2B5EF4-FFF2-40B4-BE49-F238E27FC236}">
-                <a16:creationId xmlns:a16="http://schemas.microsoft.com/office/drawing/2014/main" id="{CBBF539B-2492-448B-9133-010B916FF65A}"/>
-              </a:ext>
-            </a:extLst>
-          </p:cNvPr>
-          <p:cNvSpPr/>
-          <p:nvPr/>
-        </p:nvSpPr>
-        <p:spPr>
-          <a:xfrm>
-            <a:off x="11476140" y="5731329"/>
-            <a:ext cx="612396" cy="445634"/>
-          </a:xfrm>
-          <a:prstGeom prst="actionButtonEnd">
-            <a:avLst/>
-          </a:prstGeom>
-        </p:spPr>
-        <p:style>
-          <a:lnRef idx="2">
-            <a:schemeClr val="dk1"/>
-          </a:lnRef>
-          <a:fillRef idx="1">
-            <a:schemeClr val="lt1"/>
-          </a:fillRef>
-          <a:effectRef idx="0">
-            <a:schemeClr val="dk1"/>
-          </a:effectRef>
-          <a:fontRef idx="minor">
-            <a:schemeClr val="dk1"/>
-          </a:fontRef>
-        </p:style>
-        <p:txBody>
-          <a:bodyPr rot="0" spcFirstLastPara="0" vertOverflow="overflow" horzOverflow="overflow" vert="horz" wrap="square" lIns="91440" tIns="45720" rIns="91440" bIns="45720" numCol="1" spcCol="0" rtlCol="0" fromWordArt="0" anchor="ctr" anchorCtr="0" forceAA="0" compatLnSpc="1">
-            <a:prstTxWarp prst="textNoShape">
-              <a:avLst/>
-            </a:prstTxWarp>
-            <a:noAutofit/>
-          </a:bodyPr>
-          <a:lstStyle/>
-          <a:p>
-            <a:pPr algn="ctr"/>
-            <a:endParaRPr lang="ru-RU">
-              <a:ln w="0"/>
-              <a:solidFill>
-                <a:schemeClr val="tx1"/>
-              </a:solidFill>
-              <a:effectLst>
-                <a:outerShdw blurRad="38100" dist="19050" dir="2700000" algn="tl" rotWithShape="0">
-                  <a:schemeClr val="dk1">
-                    <a:alpha val="40000"/>
-                  </a:schemeClr>
-                </a:outerShdw>
-              </a:effectLst>
-            </a:endParaRPr>
-          </a:p>
-        </p:txBody>
-      </p:sp>
-    </p:spTree>
-    <p:extLst>
-      <p:ext uri="{BB962C8B-B14F-4D97-AF65-F5344CB8AC3E}">
-        <p14:creationId xmlns:p14="http://schemas.microsoft.com/office/powerpoint/2010/main" val="3407190349"/>
-      </p:ext>
-    </p:extLst>
-  </p:cSld>
-  <p:clrMapOvr>
-    <a:masterClrMapping/>
-  </p:clrMapOvr>
-</p:sld>
-</file>
-
-<file path=ppt/slides/slide12.xml><?xml version="1.0" encoding="utf-8"?>
 <p:sld xmlns:a="http://schemas.openxmlformats.org/drawingml/2006/main" xmlns:r="http://schemas.openxmlformats.org/officeDocument/2006/relationships" xmlns:p="http://schemas.openxmlformats.org/presentationml/2006/main">
   <p:cSld>
     <p:spTree>
@@ -6148,7 +5650,7 @@
           <a:p>
             <a:fld id="{BC183AC1-6122-41E9-A15F-C0A73CBB2E44}" type="slidenum">
               <a:rPr lang="ru-RU" smtClean="0"/>
-              <a:t>12</a:t>
+              <a:t>10</a:t>
             </a:fld>
             <a:r>
               <a:rPr lang="ru-RU" dirty="0"/>
@@ -6232,7 +5734,7 @@
 </p:sld>
 </file>
 
-<file path=ppt/slides/slide13.xml><?xml version="1.0" encoding="utf-8"?>
+<file path=ppt/slides/slide11.xml><?xml version="1.0" encoding="utf-8"?>
 <p:sld xmlns:a="http://schemas.openxmlformats.org/drawingml/2006/main" xmlns:r="http://schemas.openxmlformats.org/officeDocument/2006/relationships" xmlns:p="http://schemas.openxmlformats.org/presentationml/2006/main">
   <p:cSld>
     <p:spTree>
@@ -6393,7 +5895,7 @@
           <a:p>
             <a:fld id="{BC183AC1-6122-41E9-A15F-C0A73CBB2E44}" type="slidenum">
               <a:rPr lang="ru-RU" smtClean="0"/>
-              <a:t>13</a:t>
+              <a:t>11</a:t>
             </a:fld>
             <a:r>
               <a:rPr lang="ru-RU" dirty="0"/>
@@ -6518,7 +6020,7 @@
 </p:sld>
 </file>
 
-<file path=ppt/slides/slide14.xml><?xml version="1.0" encoding="utf-8"?>
+<file path=ppt/slides/slide12.xml><?xml version="1.0" encoding="utf-8"?>
 <p:sld xmlns:a="http://schemas.openxmlformats.org/drawingml/2006/main" xmlns:r="http://schemas.openxmlformats.org/officeDocument/2006/relationships" xmlns:p="http://schemas.openxmlformats.org/presentationml/2006/main">
   <p:cSld>
     <p:spTree>
@@ -6713,7 +6215,7 @@
           <a:p>
             <a:fld id="{BC183AC1-6122-41E9-A15F-C0A73CBB2E44}" type="slidenum">
               <a:rPr lang="ru-RU" smtClean="0"/>
-              <a:t>14</a:t>
+              <a:t>12</a:t>
             </a:fld>
             <a:r>
               <a:rPr lang="ru-RU" dirty="0"/>
@@ -6835,6 +6337,78 @@
           </a:p>
         </p:txBody>
       </p:sp>
+      <p:pic>
+        <p:nvPicPr>
+          <p:cNvPr id="12" name="Рисунок 11">
+            <a:extLst>
+              <a:ext uri="{FF2B5EF4-FFF2-40B4-BE49-F238E27FC236}">
+                <a16:creationId xmlns:a16="http://schemas.microsoft.com/office/drawing/2014/main" id="{4589DF03-5218-4C4C-A285-6ACE573B4AC4}"/>
+              </a:ext>
+            </a:extLst>
+          </p:cNvPr>
+          <p:cNvPicPr>
+            <a:picLocks noChangeAspect="1"/>
+          </p:cNvPicPr>
+          <p:nvPr/>
+        </p:nvPicPr>
+        <p:blipFill>
+          <a:blip r:embed="rId2">
+            <a:extLst>
+              <a:ext uri="{28A0092B-C50C-407E-A947-70E740481C1C}">
+                <a14:useLocalDpi xmlns:a14="http://schemas.microsoft.com/office/drawing/2010/main" val="0"/>
+              </a:ext>
+            </a:extLst>
+          </a:blip>
+          <a:stretch>
+            <a:fillRect/>
+          </a:stretch>
+        </p:blipFill>
+        <p:spPr>
+          <a:xfrm>
+            <a:off x="1592630" y="4594342"/>
+            <a:ext cx="4503370" cy="1359804"/>
+          </a:xfrm>
+          <a:prstGeom prst="rect">
+            <a:avLst/>
+          </a:prstGeom>
+        </p:spPr>
+      </p:pic>
+      <p:pic>
+        <p:nvPicPr>
+          <p:cNvPr id="14" name="Рисунок 13">
+            <a:extLst>
+              <a:ext uri="{FF2B5EF4-FFF2-40B4-BE49-F238E27FC236}">
+                <a16:creationId xmlns:a16="http://schemas.microsoft.com/office/drawing/2014/main" id="{A140B73F-1A6A-4919-88BF-7A9D7BB8C326}"/>
+              </a:ext>
+            </a:extLst>
+          </p:cNvPr>
+          <p:cNvPicPr>
+            <a:picLocks noChangeAspect="1"/>
+          </p:cNvPicPr>
+          <p:nvPr/>
+        </p:nvPicPr>
+        <p:blipFill>
+          <a:blip r:embed="rId3">
+            <a:extLst>
+              <a:ext uri="{28A0092B-C50C-407E-A947-70E740481C1C}">
+                <a14:useLocalDpi xmlns:a14="http://schemas.microsoft.com/office/drawing/2010/main" val="0"/>
+              </a:ext>
+            </a:extLst>
+          </a:blip>
+          <a:stretch>
+            <a:fillRect/>
+          </a:stretch>
+        </p:blipFill>
+        <p:spPr>
+          <a:xfrm>
+            <a:off x="7637417" y="3844520"/>
+            <a:ext cx="2982310" cy="2332443"/>
+          </a:xfrm>
+          <a:prstGeom prst="rect">
+            <a:avLst/>
+          </a:prstGeom>
+        </p:spPr>
+      </p:pic>
     </p:spTree>
     <p:extLst>
       <p:ext uri="{BB962C8B-B14F-4D97-AF65-F5344CB8AC3E}">
@@ -6848,7 +6422,7 @@
 </p:sld>
 </file>
 
-<file path=ppt/slides/slide15.xml><?xml version="1.0" encoding="utf-8"?>
+<file path=ppt/slides/slide13.xml><?xml version="1.0" encoding="utf-8"?>
 <p:sld xmlns:a="http://schemas.openxmlformats.org/drawingml/2006/main" xmlns:r="http://schemas.openxmlformats.org/officeDocument/2006/relationships" xmlns:p="http://schemas.openxmlformats.org/presentationml/2006/main">
   <p:cSld>
     <p:spTree>
@@ -6974,7 +6548,7 @@
           <a:p>
             <a:fld id="{BC183AC1-6122-41E9-A15F-C0A73CBB2E44}" type="slidenum">
               <a:rPr lang="ru-RU" smtClean="0"/>
-              <a:t>15</a:t>
+              <a:t>13</a:t>
             </a:fld>
             <a:r>
               <a:rPr lang="ru-RU" dirty="0"/>
@@ -7386,7 +6960,7 @@
 </p:sld>
 </file>
 
-<file path=ppt/slides/slide16.xml><?xml version="1.0" encoding="utf-8"?>
+<file path=ppt/slides/slide14.xml><?xml version="1.0" encoding="utf-8"?>
 <p:sld xmlns:a="http://schemas.openxmlformats.org/drawingml/2006/main" xmlns:r="http://schemas.openxmlformats.org/officeDocument/2006/relationships" xmlns:p="http://schemas.openxmlformats.org/presentationml/2006/main">
   <p:cSld>
     <p:spTree>
@@ -7603,7 +7177,7 @@
           <a:p>
             <a:fld id="{BC183AC1-6122-41E9-A15F-C0A73CBB2E44}" type="slidenum">
               <a:rPr lang="ru-RU" smtClean="0"/>
-              <a:t>16</a:t>
+              <a:t>14</a:t>
             </a:fld>
             <a:r>
               <a:rPr lang="ru-RU" dirty="0"/>
@@ -7687,7 +7261,7 @@
 </p:sld>
 </file>
 
-<file path=ppt/slides/slide17.xml><?xml version="1.0" encoding="utf-8"?>
+<file path=ppt/slides/slide15.xml><?xml version="1.0" encoding="utf-8"?>
 <p:sld xmlns:a="http://schemas.openxmlformats.org/drawingml/2006/main" xmlns:r="http://schemas.openxmlformats.org/officeDocument/2006/relationships" xmlns:p="http://schemas.openxmlformats.org/presentationml/2006/main">
   <p:cSld>
     <p:spTree>
@@ -7854,7 +7428,7 @@
           <a:p>
             <a:fld id="{BC183AC1-6122-41E9-A15F-C0A73CBB2E44}" type="slidenum">
               <a:rPr lang="ru-RU" smtClean="0"/>
-              <a:t>17</a:t>
+              <a:t>15</a:t>
             </a:fld>
             <a:r>
               <a:rPr lang="ru-RU" dirty="0"/>
@@ -7938,7 +7512,7 @@
 </p:sld>
 </file>
 
-<file path=ppt/slides/slide18.xml><?xml version="1.0" encoding="utf-8"?>
+<file path=ppt/slides/slide16.xml><?xml version="1.0" encoding="utf-8"?>
 <p:sld xmlns:a="http://schemas.openxmlformats.org/drawingml/2006/main" xmlns:r="http://schemas.openxmlformats.org/officeDocument/2006/relationships" xmlns:p="http://schemas.openxmlformats.org/presentationml/2006/main">
   <p:cSld>
     <p:spTree>
@@ -8071,7 +7645,7 @@
           <a:p>
             <a:fld id="{BC183AC1-6122-41E9-A15F-C0A73CBB2E44}" type="slidenum">
               <a:rPr lang="ru-RU" smtClean="0"/>
-              <a:t>18</a:t>
+              <a:t>16</a:t>
             </a:fld>
             <a:r>
               <a:rPr lang="en-US"/>
@@ -8872,7 +8446,7 @@
 </p:sld>
 </file>
 
-<file path=ppt/slides/slide19.xml><?xml version="1.0" encoding="utf-8"?>
+<file path=ppt/slides/slide17.xml><?xml version="1.0" encoding="utf-8"?>
 <p:sld xmlns:a="http://schemas.openxmlformats.org/drawingml/2006/main" xmlns:r="http://schemas.openxmlformats.org/officeDocument/2006/relationships" xmlns:p="http://schemas.openxmlformats.org/presentationml/2006/main">
   <p:cSld>
     <p:spTree>
@@ -9104,7 +8678,7 @@
           <a:p>
             <a:fld id="{BC183AC1-6122-41E9-A15F-C0A73CBB2E44}" type="slidenum">
               <a:rPr lang="ru-RU" smtClean="0"/>
-              <a:t>19</a:t>
+              <a:t>17</a:t>
             </a:fld>
             <a:r>
               <a:rPr lang="ru-RU" dirty="0"/>
@@ -9239,7 +8813,7 @@
 </p:sld>
 </file>
 
-<file path=ppt/slides/slide2.xml><?xml version="1.0" encoding="utf-8"?>
+<file path=ppt/slides/slide18.xml><?xml version="1.0" encoding="utf-8"?>
 <p:sld xmlns:a="http://schemas.openxmlformats.org/drawingml/2006/main" xmlns:r="http://schemas.openxmlformats.org/officeDocument/2006/relationships" xmlns:p="http://schemas.openxmlformats.org/presentationml/2006/main">
   <p:cSld>
     <p:spTree>
@@ -9258,220 +8832,6 @@
       </p:grpSpPr>
       <p:sp>
         <p:nvSpPr>
-          <p:cNvPr id="6" name="Заголовок 5">
-            <a:extLst>
-              <a:ext uri="{FF2B5EF4-FFF2-40B4-BE49-F238E27FC236}">
-                <a16:creationId xmlns:a16="http://schemas.microsoft.com/office/drawing/2014/main" id="{2C7666FF-2C62-4DEC-BBD1-C57519ADC973}"/>
-              </a:ext>
-            </a:extLst>
-          </p:cNvPr>
-          <p:cNvSpPr>
-            <a:spLocks noGrp="1"/>
-          </p:cNvSpPr>
-          <p:nvPr>
-            <p:ph type="title"/>
-          </p:nvPr>
-        </p:nvSpPr>
-        <p:spPr/>
-        <p:txBody>
-          <a:bodyPr/>
-          <a:lstStyle/>
-          <a:p>
-            <a:r>
-              <a:rPr lang="ru-RU" dirty="0">
-                <a:solidFill>
-                  <a:srgbClr val="214263"/>
-                </a:solidFill>
-                <a:latin typeface="Arial" panose="020B0604020202020204" pitchFamily="34" charset="0"/>
-                <a:cs typeface="Arial" panose="020B0604020202020204" pitchFamily="34" charset="0"/>
-              </a:rPr>
-              <a:t>План доклада</a:t>
-            </a:r>
-          </a:p>
-        </p:txBody>
-      </p:sp>
-      <p:sp>
-        <p:nvSpPr>
-          <p:cNvPr id="7" name="Объект 6">
-            <a:extLst>
-              <a:ext uri="{FF2B5EF4-FFF2-40B4-BE49-F238E27FC236}">
-                <a16:creationId xmlns:a16="http://schemas.microsoft.com/office/drawing/2014/main" id="{F4F10AF0-0F14-4692-898E-CCF4C4FA40AC}"/>
-              </a:ext>
-            </a:extLst>
-          </p:cNvPr>
-          <p:cNvSpPr>
-            <a:spLocks noGrp="1"/>
-          </p:cNvSpPr>
-          <p:nvPr>
-            <p:ph idx="1"/>
-          </p:nvPr>
-        </p:nvSpPr>
-        <p:spPr/>
-        <p:txBody>
-          <a:bodyPr vert="horz" lIns="91440" tIns="45720" rIns="91440" bIns="45720" rtlCol="0" anchor="t">
-            <a:normAutofit/>
-          </a:bodyPr>
-          <a:lstStyle/>
-          <a:p>
-            <a:pPr marL="514350" indent="-514350">
-              <a:buFont typeface="+mj-lt"/>
-              <a:buAutoNum type="arabicPeriod"/>
-            </a:pPr>
-            <a:r>
-              <a:rPr lang="ru-RU" dirty="0">
-                <a:solidFill>
-                  <a:srgbClr val="214263"/>
-                </a:solidFill>
-              </a:rPr>
-              <a:t>Актуальность</a:t>
-            </a:r>
-          </a:p>
-          <a:p>
-            <a:pPr marL="514350" indent="-514350">
-              <a:buFont typeface="+mj-lt"/>
-              <a:buAutoNum type="arabicPeriod"/>
-            </a:pPr>
-            <a:r>
-              <a:rPr lang="ru-RU" dirty="0">
-                <a:solidFill>
-                  <a:srgbClr val="214263"/>
-                </a:solidFill>
-              </a:rPr>
-              <a:t>Цели и задачи</a:t>
-            </a:r>
-          </a:p>
-          <a:p>
-            <a:pPr marL="514350" indent="-514350">
-              <a:buFont typeface="+mj-lt"/>
-              <a:buAutoNum type="arabicPeriod"/>
-            </a:pPr>
-            <a:r>
-              <a:rPr lang="ru-RU" dirty="0">
-                <a:solidFill>
-                  <a:srgbClr val="214263"/>
-                </a:solidFill>
-                <a:cs typeface="Calibri"/>
-              </a:rPr>
-              <a:t>Проектирование</a:t>
-            </a:r>
-            <a:endParaRPr lang="ru-RU" dirty="0">
-              <a:solidFill>
-                <a:srgbClr val="214263"/>
-              </a:solidFill>
-            </a:endParaRPr>
-          </a:p>
-          <a:p>
-            <a:pPr marL="514350" indent="-514350">
-              <a:buFont typeface="+mj-lt"/>
-              <a:buAutoNum type="arabicPeriod"/>
-            </a:pPr>
-            <a:r>
-              <a:rPr lang="ru-RU" dirty="0">
-                <a:solidFill>
-                  <a:srgbClr val="214263"/>
-                </a:solidFill>
-              </a:rPr>
-              <a:t>Тесты</a:t>
-            </a:r>
-          </a:p>
-          <a:p>
-            <a:pPr marL="514350" indent="-514350">
-              <a:buFont typeface="+mj-lt"/>
-              <a:buAutoNum type="arabicPeriod"/>
-            </a:pPr>
-            <a:r>
-              <a:rPr lang="ru-RU" dirty="0">
-                <a:solidFill>
-                  <a:srgbClr val="214263"/>
-                </a:solidFill>
-              </a:rPr>
-              <a:t>Результаты</a:t>
-            </a:r>
-          </a:p>
-          <a:p>
-            <a:pPr marL="514350" indent="-514350">
-              <a:buFont typeface="+mj-lt"/>
-              <a:buAutoNum type="arabicPeriod"/>
-            </a:pPr>
-            <a:r>
-              <a:rPr lang="ru-RU" dirty="0">
-                <a:solidFill>
-                  <a:srgbClr val="214263"/>
-                </a:solidFill>
-              </a:rPr>
-              <a:t>Заключение</a:t>
-            </a:r>
-          </a:p>
-        </p:txBody>
-      </p:sp>
-      <p:sp>
-        <p:nvSpPr>
-          <p:cNvPr id="5" name="Номер слайда 4">
-            <a:extLst>
-              <a:ext uri="{FF2B5EF4-FFF2-40B4-BE49-F238E27FC236}">
-                <a16:creationId xmlns:a16="http://schemas.microsoft.com/office/drawing/2014/main" id="{5E495A5C-F8B1-4926-A014-F3088D68CBBC}"/>
-              </a:ext>
-            </a:extLst>
-          </p:cNvPr>
-          <p:cNvSpPr>
-            <a:spLocks noGrp="1"/>
-          </p:cNvSpPr>
-          <p:nvPr>
-            <p:ph type="sldNum" sz="quarter" idx="12"/>
-          </p:nvPr>
-        </p:nvSpPr>
-        <p:spPr/>
-        <p:txBody>
-          <a:bodyPr/>
-          <a:lstStyle/>
-          <a:p>
-            <a:fld id="{86CB4B4D-7CA3-9044-876B-883B54F8677D}" type="slidenum">
-              <a:rPr lang="ru-RU" smtClean="0"/>
-              <a:t>2</a:t>
-            </a:fld>
-            <a:r>
-              <a:rPr lang="en-US" dirty="0"/>
-              <a:t>/1</a:t>
-            </a:r>
-            <a:r>
-              <a:rPr lang="ru-RU" dirty="0"/>
-              <a:t>9</a:t>
-            </a:r>
-          </a:p>
-        </p:txBody>
-      </p:sp>
-    </p:spTree>
-    <p:extLst>
-      <p:ext uri="{BB962C8B-B14F-4D97-AF65-F5344CB8AC3E}">
-        <p14:creationId xmlns:p14="http://schemas.microsoft.com/office/powerpoint/2010/main" val="2379320511"/>
-      </p:ext>
-    </p:extLst>
-  </p:cSld>
-  <p:clrMapOvr>
-    <a:masterClrMapping/>
-  </p:clrMapOvr>
-</p:sld>
-</file>
-
-<file path=ppt/slides/slide20.xml><?xml version="1.0" encoding="utf-8"?>
-<p:sld xmlns:a="http://schemas.openxmlformats.org/drawingml/2006/main" xmlns:r="http://schemas.openxmlformats.org/officeDocument/2006/relationships" xmlns:p="http://schemas.openxmlformats.org/presentationml/2006/main">
-  <p:cSld>
-    <p:spTree>
-      <p:nvGrpSpPr>
-        <p:cNvPr id="1" name=""/>
-        <p:cNvGrpSpPr/>
-        <p:nvPr/>
-      </p:nvGrpSpPr>
-      <p:grpSpPr>
-        <a:xfrm>
-          <a:off x="0" y="0"/>
-          <a:ext cx="0" cy="0"/>
-          <a:chOff x="0" y="0"/>
-          <a:chExt cx="0" cy="0"/>
-        </a:xfrm>
-      </p:grpSpPr>
-      <p:sp>
-        <p:nvSpPr>
           <p:cNvPr id="100" name="Адрес: ТехтТехтТехтТехтТехтТехтТехтТехтТехтТехтТехтТехтТехт"/>
           <p:cNvSpPr txBox="1"/>
           <p:nvPr/>
@@ -9489,7 +8849,7 @@
           </a:ln>
           <a:extLst>
             <a:ext uri="{C572A759-6A51-4108-AA02-DFA0A04FC94B}">
-              <ma14:wrappingTextBoxFlag xmlns:ma14="http://schemas.microsoft.com/office/mac/drawingml/2011/main" xmlns:a14="http://schemas.microsoft.com/office/drawing/2010/main" xmlns:m="http://schemas.openxmlformats.org/officeDocument/2006/math" xmlns="" val="1"/>
+              <ma14:wrappingTextBoxFlag xmlns="" xmlns:m="http://schemas.openxmlformats.org/officeDocument/2006/math" xmlns:a14="http://schemas.microsoft.com/office/drawing/2010/main" xmlns:ma14="http://schemas.microsoft.com/office/mac/drawingml/2011/main" val="1"/>
             </a:ext>
           </a:extLst>
         </p:spPr>
@@ -9555,7 +8915,7 @@
           </a:ln>
           <a:extLst>
             <a:ext uri="{C572A759-6A51-4108-AA02-DFA0A04FC94B}">
-              <ma14:wrappingTextBoxFlag xmlns:ma14="http://schemas.microsoft.com/office/mac/drawingml/2011/main" xmlns:a14="http://schemas.microsoft.com/office/drawing/2010/main" xmlns:m="http://schemas.openxmlformats.org/officeDocument/2006/math" xmlns="" val="1"/>
+              <ma14:wrappingTextBoxFlag xmlns="" xmlns:m="http://schemas.openxmlformats.org/officeDocument/2006/math" xmlns:a14="http://schemas.microsoft.com/office/drawing/2010/main" xmlns:ma14="http://schemas.microsoft.com/office/mac/drawingml/2011/main" val="1"/>
             </a:ext>
           </a:extLst>
         </p:spPr>
@@ -9793,69 +9153,7 @@
 </p:sld>
 </file>
 
-<file path=ppt/slides/slide21.xml><?xml version="1.0" encoding="utf-8"?>
-<p:sld xmlns:a="http://schemas.openxmlformats.org/drawingml/2006/main" xmlns:r="http://schemas.openxmlformats.org/officeDocument/2006/relationships" xmlns:p="http://schemas.openxmlformats.org/presentationml/2006/main">
-  <p:cSld>
-    <p:spTree>
-      <p:nvGrpSpPr>
-        <p:cNvPr id="1" name=""/>
-        <p:cNvGrpSpPr/>
-        <p:nvPr/>
-      </p:nvGrpSpPr>
-      <p:grpSpPr>
-        <a:xfrm>
-          <a:off x="0" y="0"/>
-          <a:ext cx="0" cy="0"/>
-          <a:chOff x="0" y="0"/>
-          <a:chExt cx="0" cy="0"/>
-        </a:xfrm>
-      </p:grpSpPr>
-    </p:spTree>
-    <p:extLst>
-      <p:ext uri="{BB962C8B-B14F-4D97-AF65-F5344CB8AC3E}">
-        <p14:creationId xmlns:p14="http://schemas.microsoft.com/office/powerpoint/2010/main" val="4167986653"/>
-      </p:ext>
-    </p:extLst>
-  </p:cSld>
-  <p:clrMapOvr>
-    <a:masterClrMapping/>
-  </p:clrMapOvr>
-  <p:transition spd="med"/>
-</p:sld>
-</file>
-
-<file path=ppt/slides/slide3.xml><?xml version="1.0" encoding="utf-8"?>
-<p:sld xmlns:a="http://schemas.openxmlformats.org/drawingml/2006/main" xmlns:r="http://schemas.openxmlformats.org/officeDocument/2006/relationships" xmlns:p="http://schemas.openxmlformats.org/presentationml/2006/main">
-  <p:cSld>
-    <p:spTree>
-      <p:nvGrpSpPr>
-        <p:cNvPr id="1" name=""/>
-        <p:cNvGrpSpPr/>
-        <p:nvPr/>
-      </p:nvGrpSpPr>
-      <p:grpSpPr>
-        <a:xfrm>
-          <a:off x="0" y="0"/>
-          <a:ext cx="0" cy="0"/>
-          <a:chOff x="0" y="0"/>
-          <a:chExt cx="0" cy="0"/>
-        </a:xfrm>
-      </p:grpSpPr>
-    </p:spTree>
-    <p:extLst>
-      <p:ext uri="{BB962C8B-B14F-4D97-AF65-F5344CB8AC3E}">
-        <p14:creationId xmlns:p14="http://schemas.microsoft.com/office/powerpoint/2010/main" val="3066296941"/>
-      </p:ext>
-    </p:extLst>
-  </p:cSld>
-  <p:clrMapOvr>
-    <a:masterClrMapping/>
-  </p:clrMapOvr>
-  <p:transition spd="med"/>
-</p:sld>
-</file>
-
-<file path=ppt/slides/slide4.xml><?xml version="1.0" encoding="utf-8"?>
+<file path=ppt/slides/slide19.xml><?xml version="1.0" encoding="utf-8"?>
 <p:sld xmlns:a="http://schemas.openxmlformats.org/drawingml/2006/main" xmlns:r="http://schemas.openxmlformats.org/officeDocument/2006/relationships" xmlns:p="http://schemas.openxmlformats.org/presentationml/2006/main">
   <p:cSld>
     <p:spTree>
@@ -10220,7 +9518,7 @@
             </p:grpSpPr>
             <p:pic>
               <p:nvPicPr>
-                <p:cNvPr id="4" name="Рисунок 4">
+                <p:cNvPr id="2" name="Рисунок 2">
                   <a:hlinkClick r:id="rId14" action="ppaction://hlinksldjump"/>
                 </p:cNvPr>
                 <p:cNvPicPr>
@@ -10251,7 +9549,7 @@
             </p:pic>
             <p:pic>
               <p:nvPicPr>
-                <p:cNvPr id="5" name="Рисунок 5">
+                <p:cNvPr id="4" name="Рисунок 4">
                   <a:hlinkClick r:id="rId15" action="ppaction://hlinksldjump"/>
                 </p:cNvPr>
                 <p:cNvPicPr>
@@ -10282,7 +9580,7 @@
             </p:pic>
             <p:pic>
               <p:nvPicPr>
-                <p:cNvPr id="6" name="Рисунок 6">
+                <p:cNvPr id="5" name="Рисунок 5">
                   <a:hlinkClick r:id="rId16" action="ppaction://hlinksldjump"/>
                 </p:cNvPr>
                 <p:cNvPicPr>
@@ -10313,7 +9611,7 @@
             </p:pic>
             <p:pic>
               <p:nvPicPr>
-                <p:cNvPr id="7" name="Рисунок 7">
+                <p:cNvPr id="6" name="Рисунок 6">
                   <a:hlinkClick r:id="rId17" action="ppaction://hlinksldjump"/>
                 </p:cNvPr>
                 <p:cNvPicPr>
@@ -10344,7 +9642,7 @@
             </p:pic>
             <p:pic>
               <p:nvPicPr>
-                <p:cNvPr id="8" name="Рисунок 8">
+                <p:cNvPr id="7" name="Рисунок 7">
                   <a:hlinkClick r:id="rId18" action="ppaction://hlinksldjump"/>
                 </p:cNvPr>
                 <p:cNvPicPr>
@@ -10375,7 +9673,7 @@
             </p:pic>
             <p:pic>
               <p:nvPicPr>
-                <p:cNvPr id="9" name="Рисунок 9">
+                <p:cNvPr id="8" name="Рисунок 8">
                   <a:hlinkClick r:id="rId19" action="ppaction://hlinksldjump"/>
                 </p:cNvPr>
                 <p:cNvPicPr>
@@ -10406,7 +9704,7 @@
             </p:pic>
             <p:pic>
               <p:nvPicPr>
-                <p:cNvPr id="10" name="Рисунок 10">
+                <p:cNvPr id="9" name="Рисунок 9">
                   <a:hlinkClick r:id="rId20" action="ppaction://hlinksldjump"/>
                 </p:cNvPr>
                 <p:cNvPicPr>
@@ -10437,7 +9735,7 @@
             </p:pic>
             <p:pic>
               <p:nvPicPr>
-                <p:cNvPr id="11" name="Рисунок 11">
+                <p:cNvPr id="10" name="Рисунок 10">
                   <a:hlinkClick r:id="rId21" action="ppaction://hlinksldjump"/>
                 </p:cNvPr>
                 <p:cNvPicPr>
@@ -10468,7 +9766,7 @@
             </p:pic>
             <p:pic>
               <p:nvPicPr>
-                <p:cNvPr id="12" name="Рисунок 12">
+                <p:cNvPr id="11" name="Рисунок 11">
                   <a:hlinkClick r:id="rId22" action="ppaction://hlinksldjump"/>
                 </p:cNvPr>
                 <p:cNvPicPr>
@@ -10499,7 +9797,7 @@
             </p:pic>
             <p:pic>
               <p:nvPicPr>
-                <p:cNvPr id="13" name="Рисунок 13">
+                <p:cNvPr id="12" name="Рисунок 12">
                   <a:hlinkClick r:id="rId23" action="ppaction://hlinksldjump"/>
                 </p:cNvPr>
                 <p:cNvPicPr>
@@ -10530,7 +9828,7 @@
             </p:pic>
             <p:pic>
               <p:nvPicPr>
-                <p:cNvPr id="14" name="Рисунок 14">
+                <p:cNvPr id="13" name="Рисунок 13">
                   <a:hlinkClick r:id="rId24" action="ppaction://hlinksldjump"/>
                 </p:cNvPr>
                 <p:cNvPicPr>
@@ -10561,7 +9859,7 @@
             </p:pic>
             <p:pic>
               <p:nvPicPr>
-                <p:cNvPr id="15" name="Рисунок 15">
+                <p:cNvPr id="14" name="Рисунок 14">
                   <a:hlinkClick r:id="rId25" action="ppaction://hlinksldjump"/>
                 </p:cNvPr>
                 <p:cNvPicPr>
@@ -10607,7 +9905,7 @@
 </p:sld>
 </file>
 
-<file path=ppt/slides/slide5.xml><?xml version="1.0" encoding="utf-8"?>
+<file path=ppt/slides/slide2.xml><?xml version="1.0" encoding="utf-8"?>
 <p:sld xmlns:a="http://schemas.openxmlformats.org/drawingml/2006/main" xmlns:r="http://schemas.openxmlformats.org/officeDocument/2006/relationships" xmlns:p="http://schemas.openxmlformats.org/presentationml/2006/main">
   <p:cSld>
     <p:spTree>
@@ -10629,6 +9927,220 @@
           <p:cNvPr id="6" name="Заголовок 5">
             <a:extLst>
               <a:ext uri="{FF2B5EF4-FFF2-40B4-BE49-F238E27FC236}">
+                <a16:creationId xmlns:a16="http://schemas.microsoft.com/office/drawing/2014/main" id="{2C7666FF-2C62-4DEC-BBD1-C57519ADC973}"/>
+              </a:ext>
+            </a:extLst>
+          </p:cNvPr>
+          <p:cNvSpPr>
+            <a:spLocks noGrp="1"/>
+          </p:cNvSpPr>
+          <p:nvPr>
+            <p:ph type="title"/>
+          </p:nvPr>
+        </p:nvSpPr>
+        <p:spPr/>
+        <p:txBody>
+          <a:bodyPr/>
+          <a:lstStyle/>
+          <a:p>
+            <a:r>
+              <a:rPr lang="ru-RU" dirty="0">
+                <a:solidFill>
+                  <a:srgbClr val="214263"/>
+                </a:solidFill>
+                <a:latin typeface="Arial" panose="020B0604020202020204" pitchFamily="34" charset="0"/>
+                <a:cs typeface="Arial" panose="020B0604020202020204" pitchFamily="34" charset="0"/>
+              </a:rPr>
+              <a:t>План доклада</a:t>
+            </a:r>
+          </a:p>
+        </p:txBody>
+      </p:sp>
+      <p:sp>
+        <p:nvSpPr>
+          <p:cNvPr id="7" name="Объект 6">
+            <a:extLst>
+              <a:ext uri="{FF2B5EF4-FFF2-40B4-BE49-F238E27FC236}">
+                <a16:creationId xmlns:a16="http://schemas.microsoft.com/office/drawing/2014/main" id="{F4F10AF0-0F14-4692-898E-CCF4C4FA40AC}"/>
+              </a:ext>
+            </a:extLst>
+          </p:cNvPr>
+          <p:cNvSpPr>
+            <a:spLocks noGrp="1"/>
+          </p:cNvSpPr>
+          <p:nvPr>
+            <p:ph idx="1"/>
+          </p:nvPr>
+        </p:nvSpPr>
+        <p:spPr/>
+        <p:txBody>
+          <a:bodyPr vert="horz" lIns="91440" tIns="45720" rIns="91440" bIns="45720" rtlCol="0" anchor="t">
+            <a:normAutofit/>
+          </a:bodyPr>
+          <a:lstStyle/>
+          <a:p>
+            <a:pPr marL="514350" indent="-514350">
+              <a:buFont typeface="+mj-lt"/>
+              <a:buAutoNum type="arabicPeriod"/>
+            </a:pPr>
+            <a:r>
+              <a:rPr lang="ru-RU" dirty="0">
+                <a:solidFill>
+                  <a:srgbClr val="214263"/>
+                </a:solidFill>
+              </a:rPr>
+              <a:t>Актуальность</a:t>
+            </a:r>
+          </a:p>
+          <a:p>
+            <a:pPr marL="514350" indent="-514350">
+              <a:buFont typeface="+mj-lt"/>
+              <a:buAutoNum type="arabicPeriod"/>
+            </a:pPr>
+            <a:r>
+              <a:rPr lang="ru-RU" dirty="0">
+                <a:solidFill>
+                  <a:srgbClr val="214263"/>
+                </a:solidFill>
+              </a:rPr>
+              <a:t>Цели и задачи</a:t>
+            </a:r>
+          </a:p>
+          <a:p>
+            <a:pPr marL="514350" indent="-514350">
+              <a:buFont typeface="+mj-lt"/>
+              <a:buAutoNum type="arabicPeriod"/>
+            </a:pPr>
+            <a:r>
+              <a:rPr lang="ru-RU" dirty="0">
+                <a:solidFill>
+                  <a:srgbClr val="214263"/>
+                </a:solidFill>
+                <a:cs typeface="Calibri"/>
+              </a:rPr>
+              <a:t>Проектирование</a:t>
+            </a:r>
+            <a:endParaRPr lang="ru-RU" dirty="0">
+              <a:solidFill>
+                <a:srgbClr val="214263"/>
+              </a:solidFill>
+            </a:endParaRPr>
+          </a:p>
+          <a:p>
+            <a:pPr marL="514350" indent="-514350">
+              <a:buFont typeface="+mj-lt"/>
+              <a:buAutoNum type="arabicPeriod"/>
+            </a:pPr>
+            <a:r>
+              <a:rPr lang="ru-RU" dirty="0">
+                <a:solidFill>
+                  <a:srgbClr val="214263"/>
+                </a:solidFill>
+              </a:rPr>
+              <a:t>Тесты</a:t>
+            </a:r>
+          </a:p>
+          <a:p>
+            <a:pPr marL="514350" indent="-514350">
+              <a:buFont typeface="+mj-lt"/>
+              <a:buAutoNum type="arabicPeriod"/>
+            </a:pPr>
+            <a:r>
+              <a:rPr lang="ru-RU" dirty="0">
+                <a:solidFill>
+                  <a:srgbClr val="214263"/>
+                </a:solidFill>
+              </a:rPr>
+              <a:t>Результаты</a:t>
+            </a:r>
+          </a:p>
+          <a:p>
+            <a:pPr marL="514350" indent="-514350">
+              <a:buFont typeface="+mj-lt"/>
+              <a:buAutoNum type="arabicPeriod"/>
+            </a:pPr>
+            <a:r>
+              <a:rPr lang="ru-RU" dirty="0">
+                <a:solidFill>
+                  <a:srgbClr val="214263"/>
+                </a:solidFill>
+              </a:rPr>
+              <a:t>Заключение</a:t>
+            </a:r>
+          </a:p>
+        </p:txBody>
+      </p:sp>
+      <p:sp>
+        <p:nvSpPr>
+          <p:cNvPr id="5" name="Номер слайда 4">
+            <a:extLst>
+              <a:ext uri="{FF2B5EF4-FFF2-40B4-BE49-F238E27FC236}">
+                <a16:creationId xmlns:a16="http://schemas.microsoft.com/office/drawing/2014/main" id="{5E495A5C-F8B1-4926-A014-F3088D68CBBC}"/>
+              </a:ext>
+            </a:extLst>
+          </p:cNvPr>
+          <p:cNvSpPr>
+            <a:spLocks noGrp="1"/>
+          </p:cNvSpPr>
+          <p:nvPr>
+            <p:ph type="sldNum" sz="quarter" idx="12"/>
+          </p:nvPr>
+        </p:nvSpPr>
+        <p:spPr/>
+        <p:txBody>
+          <a:bodyPr/>
+          <a:lstStyle/>
+          <a:p>
+            <a:fld id="{86CB4B4D-7CA3-9044-876B-883B54F8677D}" type="slidenum">
+              <a:rPr lang="ru-RU" smtClean="0"/>
+              <a:t>2</a:t>
+            </a:fld>
+            <a:r>
+              <a:rPr lang="en-US" dirty="0"/>
+              <a:t>/1</a:t>
+            </a:r>
+            <a:r>
+              <a:rPr lang="ru-RU" dirty="0"/>
+              <a:t>9</a:t>
+            </a:r>
+          </a:p>
+        </p:txBody>
+      </p:sp>
+    </p:spTree>
+    <p:extLst>
+      <p:ext uri="{BB962C8B-B14F-4D97-AF65-F5344CB8AC3E}">
+        <p14:creationId xmlns:p14="http://schemas.microsoft.com/office/powerpoint/2010/main" val="2379320511"/>
+      </p:ext>
+    </p:extLst>
+  </p:cSld>
+  <p:clrMapOvr>
+    <a:masterClrMapping/>
+  </p:clrMapOvr>
+</p:sld>
+</file>
+
+<file path=ppt/slides/slide3.xml><?xml version="1.0" encoding="utf-8"?>
+<p:sld xmlns:a="http://schemas.openxmlformats.org/drawingml/2006/main" xmlns:r="http://schemas.openxmlformats.org/officeDocument/2006/relationships" xmlns:p="http://schemas.openxmlformats.org/presentationml/2006/main">
+  <p:cSld>
+    <p:spTree>
+      <p:nvGrpSpPr>
+        <p:cNvPr id="1" name=""/>
+        <p:cNvGrpSpPr/>
+        <p:nvPr/>
+      </p:nvGrpSpPr>
+      <p:grpSpPr>
+        <a:xfrm>
+          <a:off x="0" y="0"/>
+          <a:ext cx="0" cy="0"/>
+          <a:chOff x="0" y="0"/>
+          <a:chExt cx="0" cy="0"/>
+        </a:xfrm>
+      </p:grpSpPr>
+      <p:sp>
+        <p:nvSpPr>
+          <p:cNvPr id="6" name="Заголовок 5">
+            <a:extLst>
+              <a:ext uri="{FF2B5EF4-FFF2-40B4-BE49-F238E27FC236}">
                 <a16:creationId xmlns:a16="http://schemas.microsoft.com/office/drawing/2014/main" id="{197D4E7C-FAB9-46AA-8C70-2B14CB6D8546}"/>
               </a:ext>
             </a:extLst>
@@ -10772,7 +10284,7 @@
           <a:p>
             <a:fld id="{86CB4B4D-7CA3-9044-876B-883B54F8677D}" type="slidenum">
               <a:rPr lang="ru-RU" smtClean="0"/>
-              <a:t>5</a:t>
+              <a:t>3</a:t>
             </a:fld>
             <a:r>
               <a:rPr lang="en-US" dirty="0"/>
@@ -10969,7 +10481,7 @@
 </p:sld>
 </file>
 
-<file path=ppt/slides/slide6.xml><?xml version="1.0" encoding="utf-8"?>
+<file path=ppt/slides/slide4.xml><?xml version="1.0" encoding="utf-8"?>
 <p:sld xmlns:a="http://schemas.openxmlformats.org/drawingml/2006/main" xmlns:r="http://schemas.openxmlformats.org/officeDocument/2006/relationships" xmlns:p="http://schemas.openxmlformats.org/presentationml/2006/main">
   <p:cSld>
     <p:spTree>
@@ -11156,7 +10668,7 @@
           <a:p>
             <a:fld id="{BC183AC1-6122-41E9-A15F-C0A73CBB2E44}" type="slidenum">
               <a:rPr lang="ru-RU" smtClean="0"/>
-              <a:t>6</a:t>
+              <a:t>4</a:t>
             </a:fld>
             <a:r>
               <a:rPr lang="en-US" dirty="0"/>
@@ -11244,7 +10756,7 @@
 </p:sld>
 </file>
 
-<file path=ppt/slides/slide7.xml><?xml version="1.0" encoding="utf-8"?>
+<file path=ppt/slides/slide5.xml><?xml version="1.0" encoding="utf-8"?>
 <p:sld xmlns:a="http://schemas.openxmlformats.org/drawingml/2006/main" xmlns:r="http://schemas.openxmlformats.org/officeDocument/2006/relationships" xmlns:p="http://schemas.openxmlformats.org/presentationml/2006/main">
   <p:cSld>
     <p:spTree>
@@ -11479,7 +10991,7 @@
           <a:p>
             <a:fld id="{BC183AC1-6122-41E9-A15F-C0A73CBB2E44}" type="slidenum">
               <a:rPr lang="ru-RU" smtClean="0"/>
-              <a:t>7</a:t>
+              <a:t>5</a:t>
             </a:fld>
             <a:r>
               <a:rPr lang="ru-RU" dirty="0"/>
@@ -11563,7 +11075,7 @@
 </p:sld>
 </file>
 
-<file path=ppt/slides/slide8.xml><?xml version="1.0" encoding="utf-8"?>
+<file path=ppt/slides/slide6.xml><?xml version="1.0" encoding="utf-8"?>
 <p:sld xmlns:a="http://schemas.openxmlformats.org/drawingml/2006/main" xmlns:r="http://schemas.openxmlformats.org/officeDocument/2006/relationships" xmlns:p="http://schemas.openxmlformats.org/presentationml/2006/main">
   <p:cSld>
     <p:spTree>
@@ -11762,7 +11274,7 @@
           <a:p>
             <a:fld id="{BC183AC1-6122-41E9-A15F-C0A73CBB2E44}" type="slidenum">
               <a:rPr lang="ru-RU" smtClean="0"/>
-              <a:t>8</a:t>
+              <a:t>6</a:t>
             </a:fld>
             <a:r>
               <a:rPr lang="ru-RU" dirty="0"/>
@@ -11897,7 +11409,7 @@
 </p:sld>
 </file>
 
-<file path=ppt/slides/slide9.xml><?xml version="1.0" encoding="utf-8"?>
+<file path=ppt/slides/slide7.xml><?xml version="1.0" encoding="utf-8"?>
 <p:sld xmlns:a="http://schemas.openxmlformats.org/drawingml/2006/main" xmlns:r="http://schemas.openxmlformats.org/officeDocument/2006/relationships" xmlns:p="http://schemas.openxmlformats.org/presentationml/2006/main">
   <p:cSld>
     <p:spTree>
@@ -12173,7 +11685,7 @@
           <a:p>
             <a:fld id="{BC183AC1-6122-41E9-A15F-C0A73CBB2E44}" type="slidenum">
               <a:rPr lang="ru-RU" smtClean="0"/>
-              <a:t>9</a:t>
+              <a:t>7</a:t>
             </a:fld>
             <a:r>
               <a:rPr lang="ru-RU" dirty="0"/>
@@ -12299,6 +11811,499 @@
     <p:extLst>
       <p:ext uri="{BB962C8B-B14F-4D97-AF65-F5344CB8AC3E}">
         <p14:creationId xmlns:p14="http://schemas.microsoft.com/office/powerpoint/2010/main" val="2228830989"/>
+      </p:ext>
+    </p:extLst>
+  </p:cSld>
+  <p:clrMapOvr>
+    <a:masterClrMapping/>
+  </p:clrMapOvr>
+</p:sld>
+</file>
+
+<file path=ppt/slides/slide8.xml><?xml version="1.0" encoding="utf-8"?>
+<p:sld xmlns:a="http://schemas.openxmlformats.org/drawingml/2006/main" xmlns:r="http://schemas.openxmlformats.org/officeDocument/2006/relationships" xmlns:p="http://schemas.openxmlformats.org/presentationml/2006/main">
+  <p:cSld>
+    <p:spTree>
+      <p:nvGrpSpPr>
+        <p:cNvPr id="1" name=""/>
+        <p:cNvGrpSpPr/>
+        <p:nvPr/>
+      </p:nvGrpSpPr>
+      <p:grpSpPr>
+        <a:xfrm>
+          <a:off x="0" y="0"/>
+          <a:ext cx="0" cy="0"/>
+          <a:chOff x="0" y="0"/>
+          <a:chExt cx="0" cy="0"/>
+        </a:xfrm>
+      </p:grpSpPr>
+      <p:sp>
+        <p:nvSpPr>
+          <p:cNvPr id="2" name="Заголовок 1">
+            <a:extLst>
+              <a:ext uri="{FF2B5EF4-FFF2-40B4-BE49-F238E27FC236}">
+                <a16:creationId xmlns:a16="http://schemas.microsoft.com/office/drawing/2014/main" id="{94071B53-EEAF-4426-BEE1-221D903E5CFA}"/>
+              </a:ext>
+            </a:extLst>
+          </p:cNvPr>
+          <p:cNvSpPr>
+            <a:spLocks noGrp="1"/>
+          </p:cNvSpPr>
+          <p:nvPr>
+            <p:ph type="title"/>
+          </p:nvPr>
+        </p:nvSpPr>
+        <p:spPr/>
+        <p:txBody>
+          <a:bodyPr/>
+          <a:lstStyle/>
+          <a:p>
+            <a:r>
+              <a:rPr lang="ru-RU" dirty="0">
+                <a:solidFill>
+                  <a:srgbClr val="214263"/>
+                </a:solidFill>
+                <a:latin typeface="Arial"/>
+                <a:cs typeface="Calibri Light"/>
+              </a:rPr>
+              <a:t>Задачи</a:t>
+            </a:r>
+            <a:endParaRPr lang="ru-RU">
+              <a:solidFill>
+                <a:srgbClr val="214263"/>
+              </a:solidFill>
+              <a:latin typeface="Arial"/>
+              <a:cs typeface="Arial"/>
+            </a:endParaRPr>
+          </a:p>
+        </p:txBody>
+      </p:sp>
+      <p:sp>
+        <p:nvSpPr>
+          <p:cNvPr id="3" name="Объект 2">
+            <a:extLst>
+              <a:ext uri="{FF2B5EF4-FFF2-40B4-BE49-F238E27FC236}">
+                <a16:creationId xmlns:a16="http://schemas.microsoft.com/office/drawing/2014/main" id="{95A6734E-A1F4-48F1-B1BC-EB8568844586}"/>
+              </a:ext>
+            </a:extLst>
+          </p:cNvPr>
+          <p:cNvSpPr>
+            <a:spLocks noGrp="1"/>
+          </p:cNvSpPr>
+          <p:nvPr>
+            <p:ph idx="1"/>
+          </p:nvPr>
+        </p:nvSpPr>
+        <p:spPr/>
+        <p:txBody>
+          <a:bodyPr vert="horz" lIns="91440" tIns="45720" rIns="91440" bIns="45720" rtlCol="0" anchor="t">
+            <a:normAutofit/>
+          </a:bodyPr>
+          <a:lstStyle/>
+          <a:p>
+            <a:r>
+              <a:rPr lang="ru-RU">
+                <a:solidFill>
+                  <a:srgbClr val="214263"/>
+                </a:solidFill>
+                <a:cs typeface="Calibri"/>
+              </a:rPr>
+              <a:t>Сбор данных</a:t>
+            </a:r>
+          </a:p>
+          <a:p>
+            <a:r>
+              <a:rPr lang="ru-RU">
+                <a:solidFill>
+                  <a:srgbClr val="214263"/>
+                </a:solidFill>
+                <a:cs typeface="Calibri"/>
+              </a:rPr>
+              <a:t>Разработать информационную систему</a:t>
+            </a:r>
+            <a:endParaRPr lang="ru-RU" dirty="0">
+              <a:solidFill>
+                <a:srgbClr val="214263"/>
+              </a:solidFill>
+              <a:cs typeface="Calibri"/>
+            </a:endParaRPr>
+          </a:p>
+        </p:txBody>
+      </p:sp>
+      <p:sp>
+        <p:nvSpPr>
+          <p:cNvPr id="4" name="Дата 3">
+            <a:extLst>
+              <a:ext uri="{FF2B5EF4-FFF2-40B4-BE49-F238E27FC236}">
+                <a16:creationId xmlns:a16="http://schemas.microsoft.com/office/drawing/2014/main" id="{A622ABE9-E273-4D0B-B83B-644E895C5625}"/>
+              </a:ext>
+            </a:extLst>
+          </p:cNvPr>
+          <p:cNvSpPr>
+            <a:spLocks noGrp="1"/>
+          </p:cNvSpPr>
+          <p:nvPr>
+            <p:ph type="dt" sz="half" idx="10"/>
+          </p:nvPr>
+        </p:nvSpPr>
+        <p:spPr/>
+        <p:txBody>
+          <a:bodyPr/>
+          <a:lstStyle/>
+          <a:p>
+            <a:fld id="{9F1F1908-91D1-41BC-B61A-BEDA2FC649DE}" type="datetime1">
+              <a:rPr lang="ru-RU" smtClean="0"/>
+              <a:t>31.03.2021</a:t>
+            </a:fld>
+            <a:endParaRPr lang="ru-RU"/>
+          </a:p>
+        </p:txBody>
+      </p:sp>
+      <p:sp>
+        <p:nvSpPr>
+          <p:cNvPr id="5" name="Нижний колонтитул 4">
+            <a:extLst>
+              <a:ext uri="{FF2B5EF4-FFF2-40B4-BE49-F238E27FC236}">
+                <a16:creationId xmlns:a16="http://schemas.microsoft.com/office/drawing/2014/main" id="{C043A2EC-7879-47F2-83E9-BD9E2B23C8E8}"/>
+              </a:ext>
+            </a:extLst>
+          </p:cNvPr>
+          <p:cNvSpPr>
+            <a:spLocks noGrp="1"/>
+          </p:cNvSpPr>
+          <p:nvPr>
+            <p:ph type="ftr" sz="quarter" idx="11"/>
+          </p:nvPr>
+        </p:nvSpPr>
+        <p:spPr/>
+        <p:txBody>
+          <a:bodyPr/>
+          <a:lstStyle/>
+          <a:p>
+            <a:r>
+              <a:rPr lang="ru-RU" dirty="0"/>
+              <a:t>Соломатин Р. И., «Поиск исполнителей по техническому заданию», Защита курсовой работы</a:t>
+            </a:r>
+          </a:p>
+        </p:txBody>
+      </p:sp>
+      <p:sp>
+        <p:nvSpPr>
+          <p:cNvPr id="6" name="Номер слайда 5">
+            <a:extLst>
+              <a:ext uri="{FF2B5EF4-FFF2-40B4-BE49-F238E27FC236}">
+                <a16:creationId xmlns:a16="http://schemas.microsoft.com/office/drawing/2014/main" id="{D463A418-8F7F-4621-B03E-EA6A2EA3E1D1}"/>
+              </a:ext>
+            </a:extLst>
+          </p:cNvPr>
+          <p:cNvSpPr>
+            <a:spLocks noGrp="1"/>
+          </p:cNvSpPr>
+          <p:nvPr>
+            <p:ph type="sldNum" sz="quarter" idx="12"/>
+          </p:nvPr>
+        </p:nvSpPr>
+        <p:spPr/>
+        <p:txBody>
+          <a:bodyPr/>
+          <a:lstStyle/>
+          <a:p>
+            <a:fld id="{BC183AC1-6122-41E9-A15F-C0A73CBB2E44}" type="slidenum">
+              <a:rPr lang="ru-RU" smtClean="0"/>
+              <a:t>8</a:t>
+            </a:fld>
+            <a:r>
+              <a:rPr lang="ru-RU" dirty="0"/>
+              <a:t>/19</a:t>
+            </a:r>
+          </a:p>
+        </p:txBody>
+      </p:sp>
+      <p:sp>
+        <p:nvSpPr>
+          <p:cNvPr id="7" name="Управляющая кнопка: &quot;В конец&quot; 6">
+            <a:hlinkClick r:id="" action="ppaction://hlinkshowjump?jump=lastslide" highlightClick="1"/>
+            <a:extLst>
+              <a:ext uri="{FF2B5EF4-FFF2-40B4-BE49-F238E27FC236}">
+                <a16:creationId xmlns:a16="http://schemas.microsoft.com/office/drawing/2014/main" id="{1322389C-176F-4680-8764-BFCFA5881963}"/>
+              </a:ext>
+            </a:extLst>
+          </p:cNvPr>
+          <p:cNvSpPr/>
+          <p:nvPr/>
+        </p:nvSpPr>
+        <p:spPr>
+          <a:xfrm>
+            <a:off x="11476140" y="5731329"/>
+            <a:ext cx="612396" cy="445634"/>
+          </a:xfrm>
+          <a:prstGeom prst="actionButtonEnd">
+            <a:avLst/>
+          </a:prstGeom>
+        </p:spPr>
+        <p:style>
+          <a:lnRef idx="2">
+            <a:schemeClr val="dk1"/>
+          </a:lnRef>
+          <a:fillRef idx="1">
+            <a:schemeClr val="lt1"/>
+          </a:fillRef>
+          <a:effectRef idx="0">
+            <a:schemeClr val="dk1"/>
+          </a:effectRef>
+          <a:fontRef idx="minor">
+            <a:schemeClr val="dk1"/>
+          </a:fontRef>
+        </p:style>
+        <p:txBody>
+          <a:bodyPr rot="0" spcFirstLastPara="0" vertOverflow="overflow" horzOverflow="overflow" vert="horz" wrap="square" lIns="91440" tIns="45720" rIns="91440" bIns="45720" numCol="1" spcCol="0" rtlCol="0" fromWordArt="0" anchor="ctr" anchorCtr="0" forceAA="0" compatLnSpc="1">
+            <a:prstTxWarp prst="textNoShape">
+              <a:avLst/>
+            </a:prstTxWarp>
+            <a:noAutofit/>
+          </a:bodyPr>
+          <a:lstStyle/>
+          <a:p>
+            <a:pPr algn="ctr"/>
+            <a:endParaRPr lang="ru-RU">
+              <a:ln w="0"/>
+              <a:solidFill>
+                <a:schemeClr val="tx1"/>
+              </a:solidFill>
+              <a:effectLst>
+                <a:outerShdw blurRad="38100" dist="19050" dir="2700000" algn="tl" rotWithShape="0">
+                  <a:schemeClr val="dk1">
+                    <a:alpha val="40000"/>
+                  </a:schemeClr>
+                </a:outerShdw>
+              </a:effectLst>
+            </a:endParaRPr>
+          </a:p>
+        </p:txBody>
+      </p:sp>
+    </p:spTree>
+    <p:extLst>
+      <p:ext uri="{BB962C8B-B14F-4D97-AF65-F5344CB8AC3E}">
+        <p14:creationId xmlns:p14="http://schemas.microsoft.com/office/powerpoint/2010/main" val="3774247"/>
+      </p:ext>
+    </p:extLst>
+  </p:cSld>
+  <p:clrMapOvr>
+    <a:masterClrMapping/>
+  </p:clrMapOvr>
+</p:sld>
+</file>
+
+<file path=ppt/slides/slide9.xml><?xml version="1.0" encoding="utf-8"?>
+<p:sld xmlns:a="http://schemas.openxmlformats.org/drawingml/2006/main" xmlns:r="http://schemas.openxmlformats.org/officeDocument/2006/relationships" xmlns:p="http://schemas.openxmlformats.org/presentationml/2006/main">
+  <p:cSld>
+    <p:spTree>
+      <p:nvGrpSpPr>
+        <p:cNvPr id="1" name=""/>
+        <p:cNvGrpSpPr/>
+        <p:nvPr/>
+      </p:nvGrpSpPr>
+      <p:grpSpPr>
+        <a:xfrm>
+          <a:off x="0" y="0"/>
+          <a:ext cx="0" cy="0"/>
+          <a:chOff x="0" y="0"/>
+          <a:chExt cx="0" cy="0"/>
+        </a:xfrm>
+      </p:grpSpPr>
+      <p:sp>
+        <p:nvSpPr>
+          <p:cNvPr id="2" name="Заголовок 1">
+            <a:extLst>
+              <a:ext uri="{FF2B5EF4-FFF2-40B4-BE49-F238E27FC236}">
+                <a16:creationId xmlns:a16="http://schemas.microsoft.com/office/drawing/2014/main" id="{4A3A6E6D-1327-4DDF-A188-04C3A757BF46}"/>
+              </a:ext>
+            </a:extLst>
+          </p:cNvPr>
+          <p:cNvSpPr>
+            <a:spLocks noGrp="1"/>
+          </p:cNvSpPr>
+          <p:nvPr>
+            <p:ph type="title"/>
+          </p:nvPr>
+        </p:nvSpPr>
+        <p:spPr>
+          <a:xfrm>
+            <a:off x="2952964" y="2787395"/>
+            <a:ext cx="6286072" cy="1232201"/>
+          </a:xfrm>
+        </p:spPr>
+        <p:txBody>
+          <a:bodyPr/>
+          <a:lstStyle/>
+          <a:p>
+            <a:r>
+              <a:rPr lang="ru-RU" b="1" dirty="0">
+                <a:solidFill>
+                  <a:srgbClr val="214263"/>
+                </a:solidFill>
+                <a:cs typeface="Calibri Light"/>
+              </a:rPr>
+              <a:t>Проектирование</a:t>
+            </a:r>
+          </a:p>
+        </p:txBody>
+      </p:sp>
+      <p:sp>
+        <p:nvSpPr>
+          <p:cNvPr id="4" name="Дата 3">
+            <a:extLst>
+              <a:ext uri="{FF2B5EF4-FFF2-40B4-BE49-F238E27FC236}">
+                <a16:creationId xmlns:a16="http://schemas.microsoft.com/office/drawing/2014/main" id="{F6118E9B-BA30-41B7-829B-CA16AC5225E6}"/>
+              </a:ext>
+            </a:extLst>
+          </p:cNvPr>
+          <p:cNvSpPr>
+            <a:spLocks noGrp="1"/>
+          </p:cNvSpPr>
+          <p:nvPr>
+            <p:ph type="dt" sz="half" idx="10"/>
+          </p:nvPr>
+        </p:nvSpPr>
+        <p:spPr/>
+        <p:txBody>
+          <a:bodyPr/>
+          <a:lstStyle/>
+          <a:p>
+            <a:fld id="{9F1F1908-91D1-41BC-B61A-BEDA2FC649DE}" type="datetime1">
+              <a:rPr lang="ru-RU" smtClean="0"/>
+              <a:t>31.03.2021</a:t>
+            </a:fld>
+            <a:endParaRPr lang="ru-RU"/>
+          </a:p>
+        </p:txBody>
+      </p:sp>
+      <p:sp>
+        <p:nvSpPr>
+          <p:cNvPr id="5" name="Нижний колонтитул 4">
+            <a:extLst>
+              <a:ext uri="{FF2B5EF4-FFF2-40B4-BE49-F238E27FC236}">
+                <a16:creationId xmlns:a16="http://schemas.microsoft.com/office/drawing/2014/main" id="{A131A44A-2473-48EB-8F94-9C926DA42C0E}"/>
+              </a:ext>
+            </a:extLst>
+          </p:cNvPr>
+          <p:cNvSpPr>
+            <a:spLocks noGrp="1"/>
+          </p:cNvSpPr>
+          <p:nvPr>
+            <p:ph type="ftr" sz="quarter" idx="11"/>
+          </p:nvPr>
+        </p:nvSpPr>
+        <p:spPr/>
+        <p:txBody>
+          <a:bodyPr/>
+          <a:lstStyle/>
+          <a:p>
+            <a:r>
+              <a:rPr lang="ru-RU" dirty="0"/>
+              <a:t>Соломатин Р. И., «Поиск исполнителей по техническому заданию», Защита курсовой работы</a:t>
+            </a:r>
+          </a:p>
+        </p:txBody>
+      </p:sp>
+      <p:sp>
+        <p:nvSpPr>
+          <p:cNvPr id="6" name="Номер слайда 5">
+            <a:extLst>
+              <a:ext uri="{FF2B5EF4-FFF2-40B4-BE49-F238E27FC236}">
+                <a16:creationId xmlns:a16="http://schemas.microsoft.com/office/drawing/2014/main" id="{00B163C6-5D28-4F70-B3F5-0337160847F4}"/>
+              </a:ext>
+            </a:extLst>
+          </p:cNvPr>
+          <p:cNvSpPr>
+            <a:spLocks noGrp="1"/>
+          </p:cNvSpPr>
+          <p:nvPr>
+            <p:ph type="sldNum" sz="quarter" idx="12"/>
+          </p:nvPr>
+        </p:nvSpPr>
+        <p:spPr/>
+        <p:txBody>
+          <a:bodyPr/>
+          <a:lstStyle/>
+          <a:p>
+            <a:fld id="{BC183AC1-6122-41E9-A15F-C0A73CBB2E44}" type="slidenum">
+              <a:rPr lang="ru-RU" smtClean="0"/>
+              <a:t>9</a:t>
+            </a:fld>
+            <a:r>
+              <a:rPr lang="ru-RU" dirty="0"/>
+              <a:t>/19</a:t>
+            </a:r>
+          </a:p>
+        </p:txBody>
+      </p:sp>
+      <p:sp>
+        <p:nvSpPr>
+          <p:cNvPr id="7" name="Управляющая кнопка: &quot;В конец&quot; 6">
+            <a:hlinkClick r:id="" action="ppaction://hlinkshowjump?jump=lastslide" highlightClick="1"/>
+            <a:extLst>
+              <a:ext uri="{FF2B5EF4-FFF2-40B4-BE49-F238E27FC236}">
+                <a16:creationId xmlns:a16="http://schemas.microsoft.com/office/drawing/2014/main" id="{CBBF539B-2492-448B-9133-010B916FF65A}"/>
+              </a:ext>
+            </a:extLst>
+          </p:cNvPr>
+          <p:cNvSpPr/>
+          <p:nvPr/>
+        </p:nvSpPr>
+        <p:spPr>
+          <a:xfrm>
+            <a:off x="11476140" y="5731329"/>
+            <a:ext cx="612396" cy="445634"/>
+          </a:xfrm>
+          <a:prstGeom prst="actionButtonEnd">
+            <a:avLst/>
+          </a:prstGeom>
+        </p:spPr>
+        <p:style>
+          <a:lnRef idx="2">
+            <a:schemeClr val="dk1"/>
+          </a:lnRef>
+          <a:fillRef idx="1">
+            <a:schemeClr val="lt1"/>
+          </a:fillRef>
+          <a:effectRef idx="0">
+            <a:schemeClr val="dk1"/>
+          </a:effectRef>
+          <a:fontRef idx="minor">
+            <a:schemeClr val="dk1"/>
+          </a:fontRef>
+        </p:style>
+        <p:txBody>
+          <a:bodyPr rot="0" spcFirstLastPara="0" vertOverflow="overflow" horzOverflow="overflow" vert="horz" wrap="square" lIns="91440" tIns="45720" rIns="91440" bIns="45720" numCol="1" spcCol="0" rtlCol="0" fromWordArt="0" anchor="ctr" anchorCtr="0" forceAA="0" compatLnSpc="1">
+            <a:prstTxWarp prst="textNoShape">
+              <a:avLst/>
+            </a:prstTxWarp>
+            <a:noAutofit/>
+          </a:bodyPr>
+          <a:lstStyle/>
+          <a:p>
+            <a:pPr algn="ctr"/>
+            <a:endParaRPr lang="ru-RU">
+              <a:ln w="0"/>
+              <a:solidFill>
+                <a:schemeClr val="tx1"/>
+              </a:solidFill>
+              <a:effectLst>
+                <a:outerShdw blurRad="38100" dist="19050" dir="2700000" algn="tl" rotWithShape="0">
+                  <a:schemeClr val="dk1">
+                    <a:alpha val="40000"/>
+                  </a:schemeClr>
+                </a:outerShdw>
+              </a:effectLst>
+            </a:endParaRPr>
+          </a:p>
+        </p:txBody>
+      </p:sp>
+    </p:spTree>
+    <p:extLst>
+      <p:ext uri="{BB962C8B-B14F-4D97-AF65-F5344CB8AC3E}">
+        <p14:creationId xmlns:p14="http://schemas.microsoft.com/office/powerpoint/2010/main" val="3407190349"/>
       </p:ext>
     </p:extLst>
   </p:cSld>

--- a/docs/Презентация для защиты курсовой работы.pptx
+++ b/docs/Презентация для защиты курсовой работы.pptx
@@ -135,9 +135,6 @@
             <p14:sldId id="274"/>
           </p14:sldIdLst>
         </p14:section>
-        <p14:section name="Раздел оглавления" id="{CE0FB56E-69EE-41C5-AC50-6216337FEDA9}">
-          <p14:sldIdLst/>
-        </p14:section>
         <p14:section name="Актуальность" id="{6FE67B54-15DA-4241-B7FD-7F2B82C1243E}">
           <p14:sldIdLst>
             <p14:sldId id="266"/>
@@ -3064,7 +3061,7 @@
           </a:ln>
           <a:extLst>
             <a:ext uri="{C572A759-6A51-4108-AA02-DFA0A04FC94B}">
-              <ma14:wrappingTextBoxFlag xmlns="" xmlns:m="http://schemas.openxmlformats.org/officeDocument/2006/math" xmlns:a14="http://schemas.microsoft.com/office/drawing/2010/main" xmlns:ma14="http://schemas.microsoft.com/office/mac/drawingml/2011/main" val="1"/>
+              <ma14:wrappingTextBoxFlag xmlns:ma14="http://schemas.microsoft.com/office/mac/drawingml/2011/main" xmlns:a14="http://schemas.microsoft.com/office/drawing/2010/main" xmlns:m="http://schemas.openxmlformats.org/officeDocument/2006/math" xmlns="" val="1"/>
             </a:ext>
           </a:extLst>
         </p:spPr>
@@ -3103,7 +3100,7 @@
           </a:ln>
           <a:extLst>
             <a:ext uri="{C572A759-6A51-4108-AA02-DFA0A04FC94B}">
-              <ma14:wrappingTextBoxFlag xmlns="" xmlns:m="http://schemas.openxmlformats.org/officeDocument/2006/math" xmlns:a14="http://schemas.microsoft.com/office/drawing/2010/main" xmlns:ma14="http://schemas.microsoft.com/office/mac/drawingml/2011/main" val="1"/>
+              <ma14:wrappingTextBoxFlag xmlns:ma14="http://schemas.microsoft.com/office/mac/drawingml/2011/main" xmlns:a14="http://schemas.microsoft.com/office/drawing/2010/main" xmlns:m="http://schemas.openxmlformats.org/officeDocument/2006/math" xmlns="" val="1"/>
             </a:ext>
           </a:extLst>
         </p:spPr>
@@ -4638,7 +4635,7 @@
           </a:ln>
           <a:extLst>
             <a:ext uri="{C572A759-6A51-4108-AA02-DFA0A04FC94B}">
-              <ma14:wrappingTextBoxFlag xmlns:ma14="http://schemas.microsoft.com/office/mac/drawingml/2011/main" xmlns:a14="http://schemas.microsoft.com/office/drawing/2010/main" xmlns:m="http://schemas.openxmlformats.org/officeDocument/2006/math" xmlns="" val="1"/>
+              <ma14:wrappingTextBoxFlag xmlns="" xmlns:m="http://schemas.openxmlformats.org/officeDocument/2006/math" xmlns:a14="http://schemas.microsoft.com/office/drawing/2010/main" xmlns:ma14="http://schemas.microsoft.com/office/mac/drawingml/2011/main" val="1"/>
             </a:ext>
           </a:extLst>
         </p:spPr>
@@ -4698,7 +4695,7 @@
           </a:ln>
           <a:extLst>
             <a:ext uri="{C572A759-6A51-4108-AA02-DFA0A04FC94B}">
-              <ma14:wrappingTextBoxFlag xmlns:ma14="http://schemas.microsoft.com/office/mac/drawingml/2011/main" xmlns:a14="http://schemas.microsoft.com/office/drawing/2010/main" xmlns:m="http://schemas.openxmlformats.org/officeDocument/2006/math" xmlns="" val="1"/>
+              <ma14:wrappingTextBoxFlag xmlns="" xmlns:m="http://schemas.openxmlformats.org/officeDocument/2006/math" xmlns:a14="http://schemas.microsoft.com/office/drawing/2010/main" xmlns:ma14="http://schemas.microsoft.com/office/mac/drawingml/2011/main" val="1"/>
             </a:ext>
           </a:extLst>
         </p:spPr>
@@ -4776,7 +4773,7 @@
           </a:ln>
           <a:extLst>
             <a:ext uri="{C572A759-6A51-4108-AA02-DFA0A04FC94B}">
-              <ma14:wrappingTextBoxFlag xmlns:ma14="http://schemas.microsoft.com/office/mac/drawingml/2011/main" xmlns:a14="http://schemas.microsoft.com/office/drawing/2010/main" xmlns:m="http://schemas.openxmlformats.org/officeDocument/2006/math" xmlns="" val="1"/>
+              <ma14:wrappingTextBoxFlag xmlns="" xmlns:m="http://schemas.openxmlformats.org/officeDocument/2006/math" xmlns:a14="http://schemas.microsoft.com/office/drawing/2010/main" xmlns:ma14="http://schemas.microsoft.com/office/mac/drawingml/2011/main" val="1"/>
             </a:ext>
           </a:extLst>
         </p:spPr>
@@ -4836,7 +4833,7 @@
           </a:ln>
           <a:extLst>
             <a:ext uri="{C572A759-6A51-4108-AA02-DFA0A04FC94B}">
-              <ma14:wrappingTextBoxFlag xmlns:ma14="http://schemas.microsoft.com/office/mac/drawingml/2011/main" xmlns:a14="http://schemas.microsoft.com/office/drawing/2010/main" xmlns:m="http://schemas.openxmlformats.org/officeDocument/2006/math" xmlns="" val="1"/>
+              <ma14:wrappingTextBoxFlag xmlns="" xmlns:m="http://schemas.openxmlformats.org/officeDocument/2006/math" xmlns:a14="http://schemas.microsoft.com/office/drawing/2010/main" xmlns:ma14="http://schemas.microsoft.com/office/mac/drawingml/2011/main" val="1"/>
             </a:ext>
           </a:extLst>
         </p:spPr>
@@ -8542,19 +8539,13 @@
                 <a:ea typeface="+mn-lt"/>
                 <a:cs typeface="+mn-lt"/>
               </a:rPr>
-              <a:t>На основании текстового описания был произведён поиск путём расчёта расстояния между подаваемым текстом и профилем сотрудников. Было предложено несколько методов расчёта этого расстояния и было показано, что расстояние </a:t>
-            </a:r>
-            <a:r>
-              <a:rPr lang="ru-RU" sz="2400" dirty="0" err="1">
-                <a:solidFill>
-                  <a:srgbClr val="214263"/>
-                </a:solidFill>
-                <a:latin typeface="Arial"/>
-                <a:ea typeface="+mn-lt"/>
-                <a:cs typeface="+mn-lt"/>
-              </a:rPr>
-              <a:t>эвклида</a:t>
-            </a:r>
+              <a:t>Была разработана информационная система, целью которой было проверить гипотезу о том можно ли подобрать исполнителя под текстовое описание тендера.</a:t>
+            </a:r>
+          </a:p>
+          <a:p>
+            <a:pPr marL="0" indent="0">
+              <a:buNone/>
+            </a:pPr>
             <a:r>
               <a:rPr lang="ru-RU" sz="2400" dirty="0">
                 <a:solidFill>
@@ -8564,19 +8555,13 @@
                 <a:ea typeface="+mn-lt"/>
                 <a:cs typeface="+mn-lt"/>
               </a:rPr>
-              <a:t> показало лучшее качество работы на нескольких примерах. На основании разработанной системы в дальнейшем требуется провести более детальное </a:t>
-            </a:r>
-            <a:r>
-              <a:rPr lang="ru-RU" sz="2400" dirty="0" err="1">
-                <a:solidFill>
-                  <a:srgbClr val="214263"/>
-                </a:solidFill>
-                <a:latin typeface="Arial"/>
-                <a:ea typeface="+mn-lt"/>
-                <a:cs typeface="+mn-lt"/>
-              </a:rPr>
-              <a:t>исселедование</a:t>
-            </a:r>
+              <a:t>На основании текстового описания был произведён поиск путём расчёта расстояния между подаваемым текстом и профилем сотрудников. </a:t>
+            </a:r>
+          </a:p>
+          <a:p>
+            <a:pPr marL="0" indent="0">
+              <a:buNone/>
+            </a:pPr>
             <a:r>
               <a:rPr lang="ru-RU" sz="2400" dirty="0">
                 <a:solidFill>
@@ -8586,9 +8571,9 @@
                 <a:ea typeface="+mn-lt"/>
                 <a:cs typeface="+mn-lt"/>
               </a:rPr>
-              <a:t> функций расстояния и выбрать ту, которая покажет наилучшее качество на большой выборке данных.</a:t>
-            </a:r>
-            <a:endParaRPr lang="ru-RU" sz="2400">
+              <a:t>Было предложено несколько методов расчёта этого расстояния и было показано, что расстояние Эвклида показало лучшее качество работы на нескольких примерах.</a:t>
+            </a:r>
+            <a:endParaRPr lang="ru-RU" sz="2400" dirty="0">
               <a:solidFill>
                 <a:srgbClr val="214263"/>
               </a:solidFill>
@@ -8849,7 +8834,7 @@
           </a:ln>
           <a:extLst>
             <a:ext uri="{C572A759-6A51-4108-AA02-DFA0A04FC94B}">
-              <ma14:wrappingTextBoxFlag xmlns="" xmlns:m="http://schemas.openxmlformats.org/officeDocument/2006/math" xmlns:a14="http://schemas.microsoft.com/office/drawing/2010/main" xmlns:ma14="http://schemas.microsoft.com/office/mac/drawingml/2011/main" val="1"/>
+              <ma14:wrappingTextBoxFlag xmlns:ma14="http://schemas.microsoft.com/office/mac/drawingml/2011/main" xmlns:a14="http://schemas.microsoft.com/office/drawing/2010/main" xmlns:m="http://schemas.openxmlformats.org/officeDocument/2006/math" xmlns="" val="1"/>
             </a:ext>
           </a:extLst>
         </p:spPr>
@@ -8915,7 +8900,7 @@
           </a:ln>
           <a:extLst>
             <a:ext uri="{C572A759-6A51-4108-AA02-DFA0A04FC94B}">
-              <ma14:wrappingTextBoxFlag xmlns="" xmlns:m="http://schemas.openxmlformats.org/officeDocument/2006/math" xmlns:a14="http://schemas.microsoft.com/office/drawing/2010/main" xmlns:ma14="http://schemas.microsoft.com/office/mac/drawingml/2011/main" val="1"/>
+              <ma14:wrappingTextBoxFlag xmlns:ma14="http://schemas.microsoft.com/office/mac/drawingml/2011/main" xmlns:a14="http://schemas.microsoft.com/office/drawing/2010/main" xmlns:m="http://schemas.openxmlformats.org/officeDocument/2006/math" xmlns="" val="1"/>
             </a:ext>
           </a:extLst>
         </p:spPr>
@@ -10249,7 +10234,7 @@
               <a:t> </a:t>
             </a:r>
             <a:r>
-              <a:rPr lang="ru-RU">
+              <a:rPr lang="ru-RU" dirty="0">
                 <a:solidFill>
                   <a:srgbClr val="214263"/>
                 </a:solidFill>
@@ -10582,7 +10567,27 @@
                 <a:latin typeface="Arial"/>
                 <a:cs typeface="Arial"/>
               </a:rPr>
-              <a:t>Гипотеза - можно ли автоматически на основании анализа текстов ВКР.</a:t>
+              <a:t>Гипотеза - можно ли автоматически</a:t>
+            </a:r>
+            <a:r>
+              <a:rPr lang="en-US" dirty="0">
+                <a:solidFill>
+                  <a:srgbClr val="214263"/>
+                </a:solidFill>
+                <a:latin typeface="Arial"/>
+                <a:cs typeface="Arial"/>
+              </a:rPr>
+              <a:t> </a:t>
+            </a:r>
+            <a:r>
+              <a:rPr lang="ru-RU" dirty="0">
+                <a:solidFill>
+                  <a:srgbClr val="214263"/>
+                </a:solidFill>
+                <a:latin typeface="Arial"/>
+                <a:cs typeface="Arial"/>
+              </a:rPr>
+              <a:t>подобрать исполнителя на основании анализа текстов ВКР.</a:t>
             </a:r>
             <a:endParaRPr lang="ru-RU" dirty="0"/>
           </a:p>
